--- a/docs/Git集群配置方案.pptx
+++ b/docs/Git集群配置方案.pptx
@@ -5,7 +5,7 @@
     <p:sldMasterId id="2147483960" r:id="rId1"/>
   </p:sldMasterIdLst>
   <p:notesMasterIdLst>
-    <p:notesMasterId r:id="rId16"/>
+    <p:notesMasterId r:id="rId17"/>
   </p:notesMasterIdLst>
   <p:sldIdLst>
     <p:sldId id="256" r:id="rId2"/>
@@ -21,7 +21,8 @@
     <p:sldId id="263" r:id="rId12"/>
     <p:sldId id="271" r:id="rId13"/>
     <p:sldId id="270" r:id="rId14"/>
-    <p:sldId id="267" r:id="rId15"/>
+    <p:sldId id="272" r:id="rId15"/>
+    <p:sldId id="267" r:id="rId16"/>
   </p:sldIdLst>
   <p:sldSz cx="9144000" cy="6858000" type="screen4x3"/>
   <p:notesSz cx="6858000" cy="9144000"/>
@@ -205,7 +206,7 @@
           <a:p>
             <a:fld id="{EAFE83F6-7C95-4BB3-95D7-FE0DF57460F9}" type="datetimeFigureOut">
               <a:rPr lang="zh-CN" altLang="en-US" smtClean="0"/>
-              <a:t>2016/3/2</a:t>
+              <a:t>2016/3/6</a:t>
             </a:fld>
             <a:endParaRPr lang="zh-CN" altLang="en-US"/>
           </a:p>
@@ -896,7 +897,7 @@
             <a:fld id="{28E80666-FB37-4B36-9149-507F3B0178E3}" type="datetimeFigureOut">
               <a:rPr lang="en-US" smtClean="0"/>
               <a:pPr/>
-              <a:t>3/2/2016</a:t>
+              <a:t>3/6/2016</a:t>
             </a:fld>
             <a:endParaRPr lang="en-US"/>
           </a:p>
@@ -1110,7 +1111,7 @@
             <a:fld id="{28E80666-FB37-4B36-9149-507F3B0178E3}" type="datetimeFigureOut">
               <a:rPr lang="en-US" smtClean="0"/>
               <a:pPr/>
-              <a:t>3/2/2016</a:t>
+              <a:t>3/6/2016</a:t>
             </a:fld>
             <a:endParaRPr lang="en-US"/>
           </a:p>
@@ -1299,7 +1300,7 @@
             <a:fld id="{28E80666-FB37-4B36-9149-507F3B0178E3}" type="datetimeFigureOut">
               <a:rPr lang="en-US" smtClean="0"/>
               <a:pPr/>
-              <a:t>3/2/2016</a:t>
+              <a:t>3/6/2016</a:t>
             </a:fld>
             <a:endParaRPr lang="en-US"/>
           </a:p>
@@ -1398,7 +1399,7 @@
             <a:fld id="{28E80666-FB37-4B36-9149-507F3B0178E3}" type="datetimeFigureOut">
               <a:rPr lang="en-US" smtClean="0"/>
               <a:pPr/>
-              <a:t>3/2/2016</a:t>
+              <a:t>3/6/2016</a:t>
             </a:fld>
             <a:endParaRPr lang="en-US"/>
           </a:p>
@@ -1996,7 +1997,7 @@
             <a:fld id="{28E80666-FB37-4B36-9149-507F3B0178E3}" type="datetimeFigureOut">
               <a:rPr lang="en-US" smtClean="0"/>
               <a:pPr/>
-              <a:t>3/2/2016</a:t>
+              <a:t>3/6/2016</a:t>
             </a:fld>
             <a:endParaRPr lang="en-US"/>
           </a:p>
@@ -2095,7 +2096,7 @@
             <a:fld id="{28E80666-FB37-4B36-9149-507F3B0178E3}" type="datetimeFigureOut">
               <a:rPr lang="en-US" smtClean="0"/>
               <a:pPr/>
-              <a:t>3/2/2016</a:t>
+              <a:t>3/6/2016</a:t>
             </a:fld>
             <a:endParaRPr lang="en-US"/>
           </a:p>
@@ -2702,7 +2703,7 @@
             <a:fld id="{28E80666-FB37-4B36-9149-507F3B0178E3}" type="datetimeFigureOut">
               <a:rPr lang="en-US" smtClean="0"/>
               <a:pPr/>
-              <a:t>3/2/2016</a:t>
+              <a:t>3/6/2016</a:t>
             </a:fld>
             <a:endParaRPr lang="en-US"/>
           </a:p>
@@ -2847,7 +2848,7 @@
             <a:fld id="{28E80666-FB37-4B36-9149-507F3B0178E3}" type="datetimeFigureOut">
               <a:rPr lang="en-US" smtClean="0"/>
               <a:pPr/>
-              <a:t>3/2/2016</a:t>
+              <a:t>3/6/2016</a:t>
             </a:fld>
             <a:endParaRPr lang="en-US"/>
           </a:p>
@@ -2946,7 +2947,7 @@
             <a:fld id="{28E80666-FB37-4B36-9149-507F3B0178E3}" type="datetimeFigureOut">
               <a:rPr lang="en-US" smtClean="0"/>
               <a:pPr/>
-              <a:t>3/2/2016</a:t>
+              <a:t>3/6/2016</a:t>
             </a:fld>
             <a:endParaRPr lang="en-US"/>
           </a:p>
@@ -3232,7 +3233,7 @@
             <a:fld id="{28E80666-FB37-4B36-9149-507F3B0178E3}" type="datetimeFigureOut">
               <a:rPr lang="en-US" smtClean="0"/>
               <a:pPr/>
-              <a:t>3/2/2016</a:t>
+              <a:t>3/6/2016</a:t>
             </a:fld>
             <a:endParaRPr lang="en-US"/>
           </a:p>
@@ -3756,7 +3757,7 @@
             <a:fld id="{28E80666-FB37-4B36-9149-507F3B0178E3}" type="datetimeFigureOut">
               <a:rPr lang="en-US" smtClean="0"/>
               <a:pPr/>
-              <a:t>3/2/2016</a:t>
+              <a:t>3/6/2016</a:t>
             </a:fld>
             <a:endParaRPr lang="en-US"/>
           </a:p>
@@ -4278,7 +4279,7 @@
             <a:fld id="{28E80666-FB37-4B36-9149-507F3B0178E3}" type="datetimeFigureOut">
               <a:rPr lang="en-US" smtClean="0"/>
               <a:pPr/>
-              <a:t>3/2/2016</a:t>
+              <a:t>3/6/2016</a:t>
             </a:fld>
             <a:endParaRPr lang="en-US" dirty="0"/>
           </a:p>
@@ -15328,6 +15329,239 @@
           </a:p>
         </p:txBody>
       </p:sp>
+      <p:sp>
+        <p:nvSpPr>
+          <p:cNvPr id="2" name="矩形 1"/>
+          <p:cNvSpPr/>
+          <p:nvPr/>
+        </p:nvSpPr>
+        <p:spPr>
+          <a:xfrm>
+            <a:off x="467544" y="1124745"/>
+            <a:ext cx="8064896" cy="5355312"/>
+          </a:xfrm>
+          <a:prstGeom prst="rect">
+            <a:avLst/>
+          </a:prstGeom>
+        </p:spPr>
+        <p:txBody>
+          <a:bodyPr wrap="square">
+            <a:spAutoFit/>
+          </a:bodyPr>
+          <a:lstStyle/>
+          <a:p>
+            <a:r>
+              <a:rPr lang="zh-CN" altLang="en-US" dirty="0"/>
+              <a:t>安装第三方库</a:t>
+            </a:r>
+          </a:p>
+          <a:p>
+            <a:r>
+              <a:rPr lang="en-US" altLang="zh-CN" dirty="0"/>
+              <a:t>git2go</a:t>
+            </a:r>
+            <a:r>
+              <a:rPr lang="zh-CN" altLang="en-US" dirty="0"/>
+              <a:t>是一个用</a:t>
+            </a:r>
+            <a:r>
+              <a:rPr lang="en-US" altLang="zh-CN" dirty="0"/>
+              <a:t>go</a:t>
+            </a:r>
+            <a:r>
+              <a:rPr lang="zh-CN" altLang="en-US" dirty="0"/>
+              <a:t>代码操作</a:t>
+            </a:r>
+            <a:r>
+              <a:rPr lang="en-US" altLang="zh-CN" dirty="0" err="1"/>
+              <a:t>git</a:t>
+            </a:r>
+            <a:r>
+              <a:rPr lang="zh-CN" altLang="en-US" dirty="0"/>
+              <a:t>的库，需要依赖于第三方库</a:t>
+            </a:r>
+            <a:r>
+              <a:rPr lang="en-US" altLang="zh-CN" dirty="0" smtClean="0"/>
+              <a:t>libgit2</a:t>
+            </a:r>
+            <a:endParaRPr lang="en-US" altLang="zh-CN" dirty="0"/>
+          </a:p>
+          <a:p>
+            <a:r>
+              <a:rPr lang="zh-CN" altLang="en-US" dirty="0"/>
+              <a:t>安装</a:t>
+            </a:r>
+            <a:r>
+              <a:rPr lang="en-US" altLang="zh-CN" dirty="0"/>
+              <a:t>libgit2</a:t>
+            </a:r>
+            <a:r>
+              <a:rPr lang="zh-CN" altLang="en-US" dirty="0"/>
+              <a:t>前，先安装相应的包</a:t>
+            </a:r>
+            <a:r>
+              <a:rPr lang="zh-CN" altLang="en-US" dirty="0" smtClean="0"/>
+              <a:t>：</a:t>
+            </a:r>
+            <a:endParaRPr lang="en-US" altLang="zh-CN" dirty="0" smtClean="0"/>
+          </a:p>
+          <a:p>
+            <a:endParaRPr lang="zh-CN" altLang="en-US" dirty="0"/>
+          </a:p>
+          <a:p>
+            <a:r>
+              <a:rPr lang="en-US" altLang="zh-CN" dirty="0"/>
+              <a:t>yum -y install </a:t>
+            </a:r>
+            <a:r>
+              <a:rPr lang="en-US" altLang="zh-CN" dirty="0" smtClean="0"/>
+              <a:t>libssh2-devel</a:t>
+            </a:r>
+            <a:endParaRPr lang="en-US" altLang="zh-CN" dirty="0"/>
+          </a:p>
+          <a:p>
+            <a:r>
+              <a:rPr lang="zh-CN" altLang="en-US" dirty="0"/>
+              <a:t>在 </a:t>
+            </a:r>
+            <a:r>
+              <a:rPr lang="en-US" altLang="zh-CN" dirty="0"/>
+              <a:t>https://github.com/libgit2/libgit2 </a:t>
+            </a:r>
+            <a:r>
+              <a:rPr lang="zh-CN" altLang="en-US" dirty="0"/>
+              <a:t>下载</a:t>
+            </a:r>
+            <a:r>
+              <a:rPr lang="en-US" altLang="zh-CN" dirty="0"/>
+              <a:t>libgit2</a:t>
+            </a:r>
+            <a:r>
+              <a:rPr lang="zh-CN" altLang="en-US" dirty="0"/>
+              <a:t>的代码进行安装：</a:t>
+            </a:r>
+          </a:p>
+          <a:p>
+            <a:endParaRPr lang="zh-CN" altLang="en-US" dirty="0"/>
+          </a:p>
+          <a:p>
+            <a:r>
+              <a:rPr lang="en-US" altLang="zh-CN" dirty="0" err="1"/>
+              <a:t>mkdir</a:t>
+            </a:r>
+            <a:r>
+              <a:rPr lang="en-US" altLang="zh-CN" dirty="0"/>
+              <a:t> build &amp;&amp; cd build</a:t>
+            </a:r>
+          </a:p>
+          <a:p>
+            <a:r>
+              <a:rPr lang="en-US" altLang="zh-CN" dirty="0" err="1"/>
+              <a:t>cmake</a:t>
+            </a:r>
+            <a:r>
+              <a:rPr lang="en-US" altLang="zh-CN" dirty="0"/>
+              <a:t> ..</a:t>
+            </a:r>
+          </a:p>
+          <a:p>
+            <a:r>
+              <a:rPr lang="en-US" altLang="zh-CN" dirty="0" err="1"/>
+              <a:t>cmake</a:t>
+            </a:r>
+            <a:r>
+              <a:rPr lang="en-US" altLang="zh-CN" dirty="0"/>
+              <a:t> --build . --target install</a:t>
+            </a:r>
+          </a:p>
+          <a:p>
+            <a:endParaRPr lang="en-US" altLang="zh-CN" dirty="0"/>
+          </a:p>
+          <a:p>
+            <a:r>
+              <a:rPr lang="zh-CN" altLang="en-US" dirty="0"/>
+              <a:t>然后下载</a:t>
+            </a:r>
+            <a:r>
+              <a:rPr lang="en-US" altLang="zh-CN" dirty="0"/>
+              <a:t>git2go</a:t>
+            </a:r>
+            <a:r>
+              <a:rPr lang="zh-CN" altLang="en-US" dirty="0" smtClean="0"/>
+              <a:t>：</a:t>
+            </a:r>
+            <a:endParaRPr lang="zh-CN" altLang="en-US" dirty="0"/>
+          </a:p>
+          <a:p>
+            <a:r>
+              <a:rPr lang="en-US" altLang="zh-CN" dirty="0"/>
+              <a:t>go get -d github.com/libgit2/git2go</a:t>
+            </a:r>
+          </a:p>
+          <a:p>
+            <a:r>
+              <a:rPr lang="en-US" altLang="zh-CN" dirty="0"/>
+              <a:t>-d</a:t>
+            </a:r>
+            <a:r>
+              <a:rPr lang="zh-CN" altLang="en-US" dirty="0"/>
+              <a:t>表示只把代码下载不安装</a:t>
+            </a:r>
+          </a:p>
+          <a:p>
+            <a:r>
+              <a:rPr lang="zh-CN" altLang="en-US" dirty="0"/>
+              <a:t>进行</a:t>
+            </a:r>
+            <a:r>
+              <a:rPr lang="en-US" altLang="zh-CN" dirty="0"/>
+              <a:t>git2go</a:t>
+            </a:r>
+            <a:r>
+              <a:rPr lang="zh-CN" altLang="en-US" dirty="0"/>
+              <a:t>的目录，执行：</a:t>
+            </a:r>
+          </a:p>
+          <a:p>
+            <a:endParaRPr lang="zh-CN" altLang="en-US" dirty="0"/>
+          </a:p>
+          <a:p>
+            <a:r>
+              <a:rPr lang="en-US" altLang="zh-CN" dirty="0" err="1"/>
+              <a:t>git</a:t>
+            </a:r>
+            <a:r>
+              <a:rPr lang="en-US" altLang="zh-CN" dirty="0"/>
+              <a:t> checkout next</a:t>
+            </a:r>
+          </a:p>
+          <a:p>
+            <a:r>
+              <a:rPr lang="en-US" altLang="zh-CN" dirty="0" err="1"/>
+              <a:t>git</a:t>
+            </a:r>
+            <a:r>
+              <a:rPr lang="en-US" altLang="zh-CN" dirty="0"/>
+              <a:t> submodule update --</a:t>
+            </a:r>
+            <a:r>
+              <a:rPr lang="en-US" altLang="zh-CN" dirty="0" err="1"/>
+              <a:t>init</a:t>
+            </a:r>
+            <a:r>
+              <a:rPr lang="en-US" altLang="zh-CN" dirty="0"/>
+              <a:t> # get libgit2</a:t>
+            </a:r>
+          </a:p>
+          <a:p>
+            <a:r>
+              <a:rPr lang="en-US" altLang="zh-CN" dirty="0"/>
+              <a:t>make install</a:t>
+            </a:r>
+            <a:endParaRPr lang="zh-CN" altLang="en-US" dirty="0"/>
+          </a:p>
+        </p:txBody>
+      </p:sp>
     </p:spTree>
     <p:extLst>
       <p:ext uri="{BB962C8B-B14F-4D97-AF65-F5344CB8AC3E}">
@@ -15431,6 +15665,378 @@
 </file>
 
 <file path=ppt/slides/slide14.xml><?xml version="1.0" encoding="utf-8"?>
+<p:sld xmlns:a="http://schemas.openxmlformats.org/drawingml/2006/main" xmlns:r="http://schemas.openxmlformats.org/officeDocument/2006/relationships" xmlns:p="http://schemas.openxmlformats.org/presentationml/2006/main">
+  <p:cSld>
+    <p:spTree>
+      <p:nvGrpSpPr>
+        <p:cNvPr id="1" name=""/>
+        <p:cNvGrpSpPr/>
+        <p:nvPr/>
+      </p:nvGrpSpPr>
+      <p:grpSpPr>
+        <a:xfrm>
+          <a:off x="0" y="0"/>
+          <a:ext cx="0" cy="0"/>
+          <a:chOff x="0" y="0"/>
+          <a:chExt cx="0" cy="0"/>
+        </a:xfrm>
+      </p:grpSpPr>
+      <p:sp>
+        <p:nvSpPr>
+          <p:cNvPr id="3" name="标题 2"/>
+          <p:cNvSpPr>
+            <a:spLocks noGrp="1"/>
+          </p:cNvSpPr>
+          <p:nvPr>
+            <p:ph type="ctrTitle"/>
+          </p:nvPr>
+        </p:nvSpPr>
+        <p:spPr>
+          <a:xfrm>
+            <a:off x="251520" y="116633"/>
+            <a:ext cx="6060380" cy="1080120"/>
+          </a:xfrm>
+          <a:effectLst/>
+        </p:spPr>
+        <p:txBody>
+          <a:bodyPr vert="horz" lIns="91440" tIns="45720" rIns="91440" bIns="45720" rtlCol="0" anchor="t" anchorCtr="0">
+            <a:noAutofit/>
+          </a:bodyPr>
+          <a:lstStyle/>
+          <a:p>
+            <a:pPr marL="182880" indent="0">
+              <a:buNone/>
+            </a:pPr>
+            <a:r>
+              <a:rPr lang="en-US" altLang="zh-CN" dirty="0" err="1" smtClean="0"/>
+              <a:t>Git</a:t>
+            </a:r>
+            <a:r>
+              <a:rPr lang="en-US" altLang="zh-CN" dirty="0" smtClean="0"/>
+              <a:t> API</a:t>
+            </a:r>
+            <a:r>
+              <a:rPr lang="zh-CN" altLang="en-US" dirty="0" smtClean="0"/>
+              <a:t>支持（</a:t>
+            </a:r>
+            <a:r>
+              <a:rPr lang="en-US" altLang="zh-CN" dirty="0"/>
+              <a:t>GO</a:t>
+            </a:r>
+            <a:r>
+              <a:rPr lang="zh-CN" altLang="en-US" dirty="0" smtClean="0"/>
+              <a:t>）</a:t>
+            </a:r>
+            <a:endParaRPr lang="en-US" altLang="zh-CN" dirty="0"/>
+          </a:p>
+        </p:txBody>
+      </p:sp>
+      <p:sp>
+        <p:nvSpPr>
+          <p:cNvPr id="2" name="矩形 1"/>
+          <p:cNvSpPr/>
+          <p:nvPr/>
+        </p:nvSpPr>
+        <p:spPr>
+          <a:xfrm>
+            <a:off x="467544" y="1124745"/>
+            <a:ext cx="8064896" cy="5355312"/>
+          </a:xfrm>
+          <a:prstGeom prst="rect">
+            <a:avLst/>
+          </a:prstGeom>
+        </p:spPr>
+        <p:txBody>
+          <a:bodyPr wrap="square">
+            <a:spAutoFit/>
+          </a:bodyPr>
+          <a:lstStyle/>
+          <a:p>
+            <a:endParaRPr lang="en-US" altLang="zh-CN" dirty="0" smtClean="0"/>
+          </a:p>
+          <a:p>
+            <a:r>
+              <a:rPr lang="zh-CN" altLang="en-US" dirty="0" smtClean="0"/>
+              <a:t>测试代码： 创建仓库</a:t>
+            </a:r>
+            <a:endParaRPr lang="en-US" altLang="zh-CN" dirty="0" smtClean="0"/>
+          </a:p>
+          <a:p>
+            <a:r>
+              <a:rPr lang="en-US" altLang="zh-CN" dirty="0" err="1"/>
+              <a:t>func</a:t>
+            </a:r>
+            <a:r>
+              <a:rPr lang="en-US" altLang="zh-CN" dirty="0"/>
+              <a:t> </a:t>
+            </a:r>
+            <a:r>
+              <a:rPr lang="en-US" altLang="zh-CN" dirty="0" err="1"/>
+              <a:t>createRepo</a:t>
+            </a:r>
+            <a:r>
+              <a:rPr lang="en-US" altLang="zh-CN" dirty="0"/>
+              <a:t>() *</a:t>
+            </a:r>
+            <a:r>
+              <a:rPr lang="en-US" altLang="zh-CN" dirty="0" err="1"/>
+              <a:t>git.Repository</a:t>
+            </a:r>
+            <a:r>
+              <a:rPr lang="en-US" altLang="zh-CN" dirty="0"/>
+              <a:t> {</a:t>
+            </a:r>
+          </a:p>
+          <a:p>
+            <a:r>
+              <a:rPr lang="en-US" altLang="zh-CN" dirty="0"/>
+              <a:t>	// figure out where we can create the test repo</a:t>
+            </a:r>
+          </a:p>
+          <a:p>
+            <a:r>
+              <a:rPr lang="en-US" altLang="zh-CN" dirty="0"/>
+              <a:t>	// path, err := </a:t>
+            </a:r>
+            <a:r>
+              <a:rPr lang="en-US" altLang="zh-CN" dirty="0" err="1"/>
+              <a:t>ioutil.TempDir</a:t>
+            </a:r>
+            <a:r>
+              <a:rPr lang="en-US" altLang="zh-CN" dirty="0"/>
+              <a:t>(".", "git2go")</a:t>
+            </a:r>
+          </a:p>
+          <a:p>
+            <a:r>
+              <a:rPr lang="en-US" altLang="zh-CN" dirty="0"/>
+              <a:t>	// </a:t>
+            </a:r>
+            <a:r>
+              <a:rPr lang="en-US" altLang="zh-CN" dirty="0" err="1"/>
+              <a:t>checkFatal</a:t>
+            </a:r>
+            <a:r>
+              <a:rPr lang="en-US" altLang="zh-CN" dirty="0"/>
+              <a:t>(err)</a:t>
+            </a:r>
+          </a:p>
+          <a:p>
+            <a:r>
+              <a:rPr lang="en-US" altLang="zh-CN" dirty="0"/>
+              <a:t>	path := "./git2go"</a:t>
+            </a:r>
+          </a:p>
+          <a:p>
+            <a:r>
+              <a:rPr lang="en-US" altLang="zh-CN" dirty="0"/>
+              <a:t>	repo, err := </a:t>
+            </a:r>
+            <a:r>
+              <a:rPr lang="en-US" altLang="zh-CN" dirty="0" err="1"/>
+              <a:t>git.InitRepository</a:t>
+            </a:r>
+            <a:r>
+              <a:rPr lang="en-US" altLang="zh-CN" dirty="0"/>
+              <a:t>(path, false)</a:t>
+            </a:r>
+          </a:p>
+          <a:p>
+            <a:r>
+              <a:rPr lang="en-US" altLang="zh-CN" dirty="0"/>
+              <a:t>	</a:t>
+            </a:r>
+            <a:r>
+              <a:rPr lang="en-US" altLang="zh-CN" dirty="0" err="1"/>
+              <a:t>checkFatal</a:t>
+            </a:r>
+            <a:r>
+              <a:rPr lang="en-US" altLang="zh-CN" dirty="0"/>
+              <a:t>(err)</a:t>
+            </a:r>
+          </a:p>
+          <a:p>
+            <a:endParaRPr lang="en-US" altLang="zh-CN" dirty="0"/>
+          </a:p>
+          <a:p>
+            <a:r>
+              <a:rPr lang="en-US" altLang="zh-CN" dirty="0"/>
+              <a:t>	</a:t>
+            </a:r>
+            <a:r>
+              <a:rPr lang="en-US" altLang="zh-CN" dirty="0" err="1"/>
+              <a:t>tmpfile</a:t>
+            </a:r>
+            <a:r>
+              <a:rPr lang="en-US" altLang="zh-CN" dirty="0"/>
+              <a:t> := "README"</a:t>
+            </a:r>
+          </a:p>
+          <a:p>
+            <a:r>
+              <a:rPr lang="en-US" altLang="zh-CN" dirty="0"/>
+              <a:t>	err = </a:t>
+            </a:r>
+            <a:r>
+              <a:rPr lang="en-US" altLang="zh-CN" dirty="0" err="1"/>
+              <a:t>ioutil.WriteFile</a:t>
+            </a:r>
+            <a:r>
+              <a:rPr lang="en-US" altLang="zh-CN" dirty="0"/>
+              <a:t>(path+"/"+</a:t>
+            </a:r>
+            <a:r>
+              <a:rPr lang="en-US" altLang="zh-CN" dirty="0" err="1"/>
+              <a:t>tmpfile</a:t>
+            </a:r>
+            <a:r>
+              <a:rPr lang="en-US" altLang="zh-CN" dirty="0"/>
+              <a:t>, []byte("foo\n"), 0644)</a:t>
+            </a:r>
+          </a:p>
+          <a:p>
+            <a:endParaRPr lang="en-US" altLang="zh-CN" dirty="0"/>
+          </a:p>
+          <a:p>
+            <a:r>
+              <a:rPr lang="en-US" altLang="zh-CN" dirty="0"/>
+              <a:t>	</a:t>
+            </a:r>
+            <a:r>
+              <a:rPr lang="en-US" altLang="zh-CN" dirty="0" err="1"/>
+              <a:t>checkFatal</a:t>
+            </a:r>
+            <a:r>
+              <a:rPr lang="en-US" altLang="zh-CN" dirty="0"/>
+              <a:t>(err)</a:t>
+            </a:r>
+          </a:p>
+          <a:p>
+            <a:endParaRPr lang="en-US" altLang="zh-CN" dirty="0"/>
+          </a:p>
+          <a:p>
+            <a:r>
+              <a:rPr lang="en-US" altLang="zh-CN" dirty="0"/>
+              <a:t>	return repo</a:t>
+            </a:r>
+          </a:p>
+          <a:p>
+            <a:r>
+              <a:rPr lang="en-US" altLang="zh-CN" dirty="0" smtClean="0"/>
+              <a:t>}</a:t>
+            </a:r>
+          </a:p>
+          <a:p>
+            <a:endParaRPr lang="en-US" altLang="zh-CN" dirty="0"/>
+          </a:p>
+          <a:p>
+            <a:endParaRPr lang="zh-CN" altLang="en-US" dirty="0"/>
+          </a:p>
+        </p:txBody>
+      </p:sp>
+    </p:spTree>
+    <p:extLst>
+      <p:ext uri="{BB962C8B-B14F-4D97-AF65-F5344CB8AC3E}">
+        <p14:creationId xmlns:p14="http://schemas.microsoft.com/office/powerpoint/2010/main" val="839704852"/>
+      </p:ext>
+    </p:extLst>
+  </p:cSld>
+  <p:clrMapOvr>
+    <a:masterClrMapping/>
+  </p:clrMapOvr>
+  <p:timing>
+    <p:tnLst>
+      <p:par>
+        <p:cTn id="1" dur="indefinite" restart="never" nodeType="tmRoot">
+          <p:childTnLst>
+            <p:seq concurrent="1" nextAc="seek">
+              <p:cTn id="2" dur="indefinite" nodeType="mainSeq">
+                <p:childTnLst>
+                  <p:par>
+                    <p:cTn id="3" fill="hold">
+                      <p:stCondLst>
+                        <p:cond delay="indefinite"/>
+                        <p:cond evt="onBegin" delay="0">
+                          <p:tn val="2"/>
+                        </p:cond>
+                      </p:stCondLst>
+                      <p:childTnLst>
+                        <p:par>
+                          <p:cTn id="4" fill="hold">
+                            <p:stCondLst>
+                              <p:cond delay="0"/>
+                            </p:stCondLst>
+                            <p:childTnLst>
+                              <p:par>
+                                <p:cTn id="5" presetID="10" presetClass="entr" presetSubtype="0" fill="hold" grpId="0" nodeType="afterEffect">
+                                  <p:stCondLst>
+                                    <p:cond delay="0"/>
+                                  </p:stCondLst>
+                                  <p:childTnLst>
+                                    <p:set>
+                                      <p:cBhvr>
+                                        <p:cTn id="6" dur="1" fill="hold">
+                                          <p:stCondLst>
+                                            <p:cond delay="0"/>
+                                          </p:stCondLst>
+                                        </p:cTn>
+                                        <p:tgtEl>
+                                          <p:spTgt spid="3"/>
+                                        </p:tgtEl>
+                                        <p:attrNameLst>
+                                          <p:attrName>style.visibility</p:attrName>
+                                        </p:attrNameLst>
+                                      </p:cBhvr>
+                                      <p:to>
+                                        <p:strVal val="visible"/>
+                                      </p:to>
+                                    </p:set>
+                                    <p:animEffect transition="in" filter="fade">
+                                      <p:cBhvr>
+                                        <p:cTn id="7" dur="500"/>
+                                        <p:tgtEl>
+                                          <p:spTgt spid="3"/>
+                                        </p:tgtEl>
+                                      </p:cBhvr>
+                                    </p:animEffect>
+                                  </p:childTnLst>
+                                </p:cTn>
+                              </p:par>
+                            </p:childTnLst>
+                          </p:cTn>
+                        </p:par>
+                      </p:childTnLst>
+                    </p:cTn>
+                  </p:par>
+                </p:childTnLst>
+              </p:cTn>
+              <p:prevCondLst>
+                <p:cond evt="onPrev" delay="0">
+                  <p:tgtEl>
+                    <p:sldTgt/>
+                  </p:tgtEl>
+                </p:cond>
+              </p:prevCondLst>
+              <p:nextCondLst>
+                <p:cond evt="onNext" delay="0">
+                  <p:tgtEl>
+                    <p:sldTgt/>
+                  </p:tgtEl>
+                </p:cond>
+              </p:nextCondLst>
+            </p:seq>
+          </p:childTnLst>
+        </p:cTn>
+      </p:par>
+    </p:tnLst>
+    <p:bldLst>
+      <p:bldP spid="3" grpId="0"/>
+    </p:bldLst>
+  </p:timing>
+</p:sld>
+</file>
+
+<file path=ppt/slides/slide15.xml><?xml version="1.0" encoding="utf-8"?>
 <p:sld xmlns:a="http://schemas.openxmlformats.org/drawingml/2006/main" xmlns:r="http://schemas.openxmlformats.org/officeDocument/2006/relationships" xmlns:p="http://schemas.openxmlformats.org/presentationml/2006/main">
   <p:cSld>
     <p:spTree>

--- a/docs/Git集群配置方案.pptx
+++ b/docs/Git集群配置方案.pptx
@@ -5,7 +5,7 @@
     <p:sldMasterId id="2147483960" r:id="rId1"/>
   </p:sldMasterIdLst>
   <p:notesMasterIdLst>
-    <p:notesMasterId r:id="rId17"/>
+    <p:notesMasterId r:id="rId19"/>
   </p:notesMasterIdLst>
   <p:sldIdLst>
     <p:sldId id="256" r:id="rId2"/>
@@ -22,7 +22,9 @@
     <p:sldId id="271" r:id="rId13"/>
     <p:sldId id="270" r:id="rId14"/>
     <p:sldId id="272" r:id="rId15"/>
-    <p:sldId id="267" r:id="rId16"/>
+    <p:sldId id="273" r:id="rId16"/>
+    <p:sldId id="274" r:id="rId17"/>
+    <p:sldId id="267" r:id="rId18"/>
   </p:sldIdLst>
   <p:sldSz cx="9144000" cy="6858000" type="screen4x3"/>
   <p:notesSz cx="6858000" cy="9144000"/>
@@ -206,7 +208,7 @@
           <a:p>
             <a:fld id="{EAFE83F6-7C95-4BB3-95D7-FE0DF57460F9}" type="datetimeFigureOut">
               <a:rPr lang="zh-CN" altLang="en-US" smtClean="0"/>
-              <a:t>2016/3/6</a:t>
+              <a:t>2016/3/11</a:t>
             </a:fld>
             <a:endParaRPr lang="zh-CN" altLang="en-US"/>
           </a:p>
@@ -897,7 +899,7 @@
             <a:fld id="{28E80666-FB37-4B36-9149-507F3B0178E3}" type="datetimeFigureOut">
               <a:rPr lang="en-US" smtClean="0"/>
               <a:pPr/>
-              <a:t>3/6/2016</a:t>
+              <a:t>3/11/2016</a:t>
             </a:fld>
             <a:endParaRPr lang="en-US"/>
           </a:p>
@@ -1111,7 +1113,7 @@
             <a:fld id="{28E80666-FB37-4B36-9149-507F3B0178E3}" type="datetimeFigureOut">
               <a:rPr lang="en-US" smtClean="0"/>
               <a:pPr/>
-              <a:t>3/6/2016</a:t>
+              <a:t>3/11/2016</a:t>
             </a:fld>
             <a:endParaRPr lang="en-US"/>
           </a:p>
@@ -1300,7 +1302,7 @@
             <a:fld id="{28E80666-FB37-4B36-9149-507F3B0178E3}" type="datetimeFigureOut">
               <a:rPr lang="en-US" smtClean="0"/>
               <a:pPr/>
-              <a:t>3/6/2016</a:t>
+              <a:t>3/11/2016</a:t>
             </a:fld>
             <a:endParaRPr lang="en-US"/>
           </a:p>
@@ -1399,7 +1401,7 @@
             <a:fld id="{28E80666-FB37-4B36-9149-507F3B0178E3}" type="datetimeFigureOut">
               <a:rPr lang="en-US" smtClean="0"/>
               <a:pPr/>
-              <a:t>3/6/2016</a:t>
+              <a:t>3/11/2016</a:t>
             </a:fld>
             <a:endParaRPr lang="en-US"/>
           </a:p>
@@ -1997,7 +1999,7 @@
             <a:fld id="{28E80666-FB37-4B36-9149-507F3B0178E3}" type="datetimeFigureOut">
               <a:rPr lang="en-US" smtClean="0"/>
               <a:pPr/>
-              <a:t>3/6/2016</a:t>
+              <a:t>3/11/2016</a:t>
             </a:fld>
             <a:endParaRPr lang="en-US"/>
           </a:p>
@@ -2096,7 +2098,7 @@
             <a:fld id="{28E80666-FB37-4B36-9149-507F3B0178E3}" type="datetimeFigureOut">
               <a:rPr lang="en-US" smtClean="0"/>
               <a:pPr/>
-              <a:t>3/6/2016</a:t>
+              <a:t>3/11/2016</a:t>
             </a:fld>
             <a:endParaRPr lang="en-US"/>
           </a:p>
@@ -2703,7 +2705,7 @@
             <a:fld id="{28E80666-FB37-4B36-9149-507F3B0178E3}" type="datetimeFigureOut">
               <a:rPr lang="en-US" smtClean="0"/>
               <a:pPr/>
-              <a:t>3/6/2016</a:t>
+              <a:t>3/11/2016</a:t>
             </a:fld>
             <a:endParaRPr lang="en-US"/>
           </a:p>
@@ -2848,7 +2850,7 @@
             <a:fld id="{28E80666-FB37-4B36-9149-507F3B0178E3}" type="datetimeFigureOut">
               <a:rPr lang="en-US" smtClean="0"/>
               <a:pPr/>
-              <a:t>3/6/2016</a:t>
+              <a:t>3/11/2016</a:t>
             </a:fld>
             <a:endParaRPr lang="en-US"/>
           </a:p>
@@ -2947,7 +2949,7 @@
             <a:fld id="{28E80666-FB37-4B36-9149-507F3B0178E3}" type="datetimeFigureOut">
               <a:rPr lang="en-US" smtClean="0"/>
               <a:pPr/>
-              <a:t>3/6/2016</a:t>
+              <a:t>3/11/2016</a:t>
             </a:fld>
             <a:endParaRPr lang="en-US"/>
           </a:p>
@@ -3233,7 +3235,7 @@
             <a:fld id="{28E80666-FB37-4B36-9149-507F3B0178E3}" type="datetimeFigureOut">
               <a:rPr lang="en-US" smtClean="0"/>
               <a:pPr/>
-              <a:t>3/6/2016</a:t>
+              <a:t>3/11/2016</a:t>
             </a:fld>
             <a:endParaRPr lang="en-US"/>
           </a:p>
@@ -3757,7 +3759,7 @@
             <a:fld id="{28E80666-FB37-4B36-9149-507F3B0178E3}" type="datetimeFigureOut">
               <a:rPr lang="en-US" smtClean="0"/>
               <a:pPr/>
-              <a:t>3/6/2016</a:t>
+              <a:t>3/11/2016</a:t>
             </a:fld>
             <a:endParaRPr lang="en-US"/>
           </a:p>
@@ -4279,7 +4281,7 @@
             <a:fld id="{28E80666-FB37-4B36-9149-507F3B0178E3}" type="datetimeFigureOut">
               <a:rPr lang="en-US" smtClean="0"/>
               <a:pPr/>
-              <a:t>3/6/2016</a:t>
+              <a:t>3/11/2016</a:t>
             </a:fld>
             <a:endParaRPr lang="en-US" dirty="0"/>
           </a:p>
@@ -16037,6 +16039,1998 @@
 </file>
 
 <file path=ppt/slides/slide15.xml><?xml version="1.0" encoding="utf-8"?>
+<p:sld xmlns:a="http://schemas.openxmlformats.org/drawingml/2006/main" xmlns:r="http://schemas.openxmlformats.org/officeDocument/2006/relationships" xmlns:p="http://schemas.openxmlformats.org/presentationml/2006/main">
+  <p:cSld>
+    <p:spTree>
+      <p:nvGrpSpPr>
+        <p:cNvPr id="1" name=""/>
+        <p:cNvGrpSpPr/>
+        <p:nvPr/>
+      </p:nvGrpSpPr>
+      <p:grpSpPr>
+        <a:xfrm>
+          <a:off x="0" y="0"/>
+          <a:ext cx="0" cy="0"/>
+          <a:chOff x="0" y="0"/>
+          <a:chExt cx="0" cy="0"/>
+        </a:xfrm>
+      </p:grpSpPr>
+      <p:sp>
+        <p:nvSpPr>
+          <p:cNvPr id="3" name="标题 2"/>
+          <p:cNvSpPr>
+            <a:spLocks noGrp="1"/>
+          </p:cNvSpPr>
+          <p:nvPr>
+            <p:ph type="ctrTitle"/>
+          </p:nvPr>
+        </p:nvSpPr>
+        <p:spPr>
+          <a:xfrm>
+            <a:off x="251520" y="116633"/>
+            <a:ext cx="8568952" cy="1080120"/>
+          </a:xfrm>
+          <a:effectLst/>
+        </p:spPr>
+        <p:txBody>
+          <a:bodyPr vert="horz" lIns="91440" tIns="45720" rIns="91440" bIns="45720" rtlCol="0" anchor="t" anchorCtr="0">
+            <a:noAutofit/>
+          </a:bodyPr>
+          <a:lstStyle/>
+          <a:p>
+            <a:pPr marL="182880" indent="0">
+              <a:buNone/>
+            </a:pPr>
+            <a:r>
+              <a:rPr lang="zh-CN" altLang="en-US" dirty="0" smtClean="0"/>
+              <a:t>程序设计（</a:t>
+            </a:r>
+            <a:r>
+              <a:rPr lang="en-US" altLang="zh-CN" dirty="0"/>
+              <a:t>S</a:t>
+            </a:r>
+            <a:r>
+              <a:rPr lang="en-US" altLang="zh-CN" dirty="0" smtClean="0"/>
+              <a:t>erver</a:t>
+            </a:r>
+            <a:r>
+              <a:rPr lang="zh-CN" altLang="en-US" dirty="0" smtClean="0"/>
+              <a:t>）</a:t>
+            </a:r>
+            <a:endParaRPr lang="en-US" altLang="zh-CN" dirty="0"/>
+          </a:p>
+        </p:txBody>
+      </p:sp>
+      <p:sp>
+        <p:nvSpPr>
+          <p:cNvPr id="16" name="圆角矩形 15"/>
+          <p:cNvSpPr/>
+          <p:nvPr/>
+        </p:nvSpPr>
+        <p:spPr>
+          <a:xfrm>
+            <a:off x="620078" y="1547783"/>
+            <a:ext cx="1728192" cy="689451"/>
+          </a:xfrm>
+          <a:prstGeom prst="roundRect">
+            <a:avLst/>
+          </a:prstGeom>
+        </p:spPr>
+        <p:style>
+          <a:lnRef idx="2">
+            <a:schemeClr val="accent1">
+              <a:shade val="50000"/>
+            </a:schemeClr>
+          </a:lnRef>
+          <a:fillRef idx="1">
+            <a:schemeClr val="accent1"/>
+          </a:fillRef>
+          <a:effectRef idx="0">
+            <a:schemeClr val="accent1"/>
+          </a:effectRef>
+          <a:fontRef idx="minor">
+            <a:schemeClr val="lt1"/>
+          </a:fontRef>
+        </p:style>
+        <p:txBody>
+          <a:bodyPr rtlCol="0" anchor="ctr"/>
+          <a:lstStyle/>
+          <a:p>
+            <a:pPr algn="ctr"/>
+            <a:r>
+              <a:rPr lang="en-US" altLang="zh-CN" dirty="0"/>
+              <a:t>Template management</a:t>
+            </a:r>
+            <a:endParaRPr lang="zh-CN" altLang="en-US" dirty="0"/>
+          </a:p>
+        </p:txBody>
+      </p:sp>
+      <p:sp>
+        <p:nvSpPr>
+          <p:cNvPr id="18" name="圆角矩形 17"/>
+          <p:cNvSpPr/>
+          <p:nvPr/>
+        </p:nvSpPr>
+        <p:spPr>
+          <a:xfrm>
+            <a:off x="4644008" y="1572106"/>
+            <a:ext cx="1728192" cy="689451"/>
+          </a:xfrm>
+          <a:prstGeom prst="roundRect">
+            <a:avLst/>
+          </a:prstGeom>
+        </p:spPr>
+        <p:style>
+          <a:lnRef idx="2">
+            <a:schemeClr val="accent1">
+              <a:shade val="50000"/>
+            </a:schemeClr>
+          </a:lnRef>
+          <a:fillRef idx="1">
+            <a:schemeClr val="accent1"/>
+          </a:fillRef>
+          <a:effectRef idx="0">
+            <a:schemeClr val="accent1"/>
+          </a:effectRef>
+          <a:fontRef idx="minor">
+            <a:schemeClr val="lt1"/>
+          </a:fontRef>
+        </p:style>
+        <p:txBody>
+          <a:bodyPr rtlCol="0" anchor="ctr"/>
+          <a:lstStyle/>
+          <a:p>
+            <a:pPr algn="ctr"/>
+            <a:r>
+              <a:rPr lang="en-US" altLang="zh-CN" dirty="0"/>
+              <a:t>Authority </a:t>
+            </a:r>
+            <a:r>
+              <a:rPr lang="en-US" altLang="zh-CN" dirty="0" smtClean="0"/>
+              <a:t>management</a:t>
+            </a:r>
+            <a:endParaRPr lang="zh-CN" altLang="en-US" dirty="0"/>
+          </a:p>
+        </p:txBody>
+      </p:sp>
+      <p:sp>
+        <p:nvSpPr>
+          <p:cNvPr id="19" name="圆角矩形 18"/>
+          <p:cNvSpPr/>
+          <p:nvPr/>
+        </p:nvSpPr>
+        <p:spPr>
+          <a:xfrm>
+            <a:off x="620078" y="3708023"/>
+            <a:ext cx="1728192" cy="689451"/>
+          </a:xfrm>
+          <a:prstGeom prst="roundRect">
+            <a:avLst/>
+          </a:prstGeom>
+        </p:spPr>
+        <p:style>
+          <a:lnRef idx="2">
+            <a:schemeClr val="accent1">
+              <a:shade val="50000"/>
+            </a:schemeClr>
+          </a:lnRef>
+          <a:fillRef idx="1">
+            <a:schemeClr val="accent1"/>
+          </a:fillRef>
+          <a:effectRef idx="0">
+            <a:schemeClr val="accent1"/>
+          </a:effectRef>
+          <a:fontRef idx="minor">
+            <a:schemeClr val="lt1"/>
+          </a:fontRef>
+        </p:style>
+        <p:txBody>
+          <a:bodyPr rtlCol="0" anchor="ctr"/>
+          <a:lstStyle/>
+          <a:p>
+            <a:pPr algn="ctr"/>
+            <a:r>
+              <a:rPr lang="en-US" altLang="zh-CN" dirty="0" smtClean="0"/>
+              <a:t>Task</a:t>
+            </a:r>
+          </a:p>
+          <a:p>
+            <a:pPr algn="ctr"/>
+            <a:r>
+              <a:rPr lang="en-US" altLang="zh-CN" dirty="0" smtClean="0"/>
+              <a:t>management</a:t>
+            </a:r>
+            <a:endParaRPr lang="zh-CN" altLang="en-US" dirty="0"/>
+          </a:p>
+        </p:txBody>
+      </p:sp>
+      <p:sp>
+        <p:nvSpPr>
+          <p:cNvPr id="20" name="圆角矩形 19"/>
+          <p:cNvSpPr/>
+          <p:nvPr/>
+        </p:nvSpPr>
+        <p:spPr>
+          <a:xfrm>
+            <a:off x="4644008" y="3708023"/>
+            <a:ext cx="1728192" cy="689451"/>
+          </a:xfrm>
+          <a:prstGeom prst="roundRect">
+            <a:avLst/>
+          </a:prstGeom>
+        </p:spPr>
+        <p:style>
+          <a:lnRef idx="2">
+            <a:schemeClr val="accent1">
+              <a:shade val="50000"/>
+            </a:schemeClr>
+          </a:lnRef>
+          <a:fillRef idx="1">
+            <a:schemeClr val="accent1"/>
+          </a:fillRef>
+          <a:effectRef idx="0">
+            <a:schemeClr val="accent1"/>
+          </a:effectRef>
+          <a:fontRef idx="minor">
+            <a:schemeClr val="lt1"/>
+          </a:fontRef>
+        </p:style>
+        <p:txBody>
+          <a:bodyPr rtlCol="0" anchor="ctr"/>
+          <a:lstStyle/>
+          <a:p>
+            <a:pPr algn="ctr"/>
+            <a:r>
+              <a:rPr lang="en-US" altLang="zh-CN" dirty="0" smtClean="0"/>
+              <a:t>Log</a:t>
+            </a:r>
+          </a:p>
+          <a:p>
+            <a:pPr algn="ctr"/>
+            <a:r>
+              <a:rPr lang="en-US" altLang="zh-CN" dirty="0" smtClean="0"/>
+              <a:t>record</a:t>
+            </a:r>
+            <a:endParaRPr lang="zh-CN" altLang="en-US" dirty="0"/>
+          </a:p>
+        </p:txBody>
+      </p:sp>
+      <p:sp>
+        <p:nvSpPr>
+          <p:cNvPr id="10" name="圆角矩形 9"/>
+          <p:cNvSpPr/>
+          <p:nvPr/>
+        </p:nvSpPr>
+        <p:spPr>
+          <a:xfrm>
+            <a:off x="2987824" y="1542355"/>
+            <a:ext cx="864096" cy="196686"/>
+          </a:xfrm>
+          <a:prstGeom prst="roundRect">
+            <a:avLst/>
+          </a:prstGeom>
+        </p:spPr>
+        <p:style>
+          <a:lnRef idx="2">
+            <a:schemeClr val="accent2">
+              <a:shade val="50000"/>
+            </a:schemeClr>
+          </a:lnRef>
+          <a:fillRef idx="1">
+            <a:schemeClr val="accent2"/>
+          </a:fillRef>
+          <a:effectRef idx="0">
+            <a:schemeClr val="accent2"/>
+          </a:effectRef>
+          <a:fontRef idx="minor">
+            <a:schemeClr val="lt1"/>
+          </a:fontRef>
+        </p:style>
+        <p:txBody>
+          <a:bodyPr rtlCol="0" anchor="ctr"/>
+          <a:lstStyle/>
+          <a:p>
+            <a:pPr algn="ctr"/>
+            <a:r>
+              <a:rPr lang="en-US" altLang="zh-CN" sz="1400" dirty="0"/>
+              <a:t>Create</a:t>
+            </a:r>
+            <a:endParaRPr lang="zh-CN" altLang="en-US" sz="1400" dirty="0"/>
+          </a:p>
+        </p:txBody>
+      </p:sp>
+      <p:sp>
+        <p:nvSpPr>
+          <p:cNvPr id="38" name="圆角矩形 37"/>
+          <p:cNvSpPr/>
+          <p:nvPr/>
+        </p:nvSpPr>
+        <p:spPr>
+          <a:xfrm>
+            <a:off x="2987824" y="1739041"/>
+            <a:ext cx="864096" cy="196686"/>
+          </a:xfrm>
+          <a:prstGeom prst="roundRect">
+            <a:avLst/>
+          </a:prstGeom>
+        </p:spPr>
+        <p:style>
+          <a:lnRef idx="2">
+            <a:schemeClr val="accent2">
+              <a:shade val="50000"/>
+            </a:schemeClr>
+          </a:lnRef>
+          <a:fillRef idx="1">
+            <a:schemeClr val="accent2"/>
+          </a:fillRef>
+          <a:effectRef idx="0">
+            <a:schemeClr val="accent2"/>
+          </a:effectRef>
+          <a:fontRef idx="minor">
+            <a:schemeClr val="lt1"/>
+          </a:fontRef>
+        </p:style>
+        <p:txBody>
+          <a:bodyPr rtlCol="0" anchor="ctr"/>
+          <a:lstStyle/>
+          <a:p>
+            <a:pPr algn="ctr"/>
+            <a:r>
+              <a:rPr lang="en-US" altLang="zh-CN" sz="1400" dirty="0"/>
+              <a:t>Delete</a:t>
+            </a:r>
+            <a:endParaRPr lang="zh-CN" altLang="en-US" sz="1400" dirty="0"/>
+          </a:p>
+        </p:txBody>
+      </p:sp>
+      <p:sp>
+        <p:nvSpPr>
+          <p:cNvPr id="39" name="圆角矩形 38"/>
+          <p:cNvSpPr/>
+          <p:nvPr/>
+        </p:nvSpPr>
+        <p:spPr>
+          <a:xfrm>
+            <a:off x="2987824" y="1928366"/>
+            <a:ext cx="864096" cy="196686"/>
+          </a:xfrm>
+          <a:prstGeom prst="roundRect">
+            <a:avLst/>
+          </a:prstGeom>
+        </p:spPr>
+        <p:style>
+          <a:lnRef idx="2">
+            <a:schemeClr val="accent2">
+              <a:shade val="50000"/>
+            </a:schemeClr>
+          </a:lnRef>
+          <a:fillRef idx="1">
+            <a:schemeClr val="accent2"/>
+          </a:fillRef>
+          <a:effectRef idx="0">
+            <a:schemeClr val="accent2"/>
+          </a:effectRef>
+          <a:fontRef idx="minor">
+            <a:schemeClr val="lt1"/>
+          </a:fontRef>
+        </p:style>
+        <p:txBody>
+          <a:bodyPr rtlCol="0" anchor="ctr"/>
+          <a:lstStyle/>
+          <a:p>
+            <a:pPr algn="ctr"/>
+            <a:r>
+              <a:rPr lang="en-US" altLang="zh-CN" sz="1400" dirty="0"/>
+              <a:t>Modify</a:t>
+            </a:r>
+            <a:endParaRPr lang="zh-CN" altLang="en-US" sz="1400" dirty="0"/>
+          </a:p>
+        </p:txBody>
+      </p:sp>
+      <p:sp>
+        <p:nvSpPr>
+          <p:cNvPr id="40" name="圆角矩形 39"/>
+          <p:cNvSpPr/>
+          <p:nvPr/>
+        </p:nvSpPr>
+        <p:spPr>
+          <a:xfrm>
+            <a:off x="7164288" y="1444012"/>
+            <a:ext cx="864096" cy="196686"/>
+          </a:xfrm>
+          <a:prstGeom prst="roundRect">
+            <a:avLst/>
+          </a:prstGeom>
+        </p:spPr>
+        <p:style>
+          <a:lnRef idx="2">
+            <a:schemeClr val="accent2">
+              <a:shade val="50000"/>
+            </a:schemeClr>
+          </a:lnRef>
+          <a:fillRef idx="1">
+            <a:schemeClr val="accent2"/>
+          </a:fillRef>
+          <a:effectRef idx="0">
+            <a:schemeClr val="accent2"/>
+          </a:effectRef>
+          <a:fontRef idx="minor">
+            <a:schemeClr val="lt1"/>
+          </a:fontRef>
+        </p:style>
+        <p:txBody>
+          <a:bodyPr rtlCol="0" anchor="ctr"/>
+          <a:lstStyle/>
+          <a:p>
+            <a:pPr algn="ctr"/>
+            <a:r>
+              <a:rPr lang="en-US" altLang="zh-CN" sz="1400" dirty="0"/>
+              <a:t>Create</a:t>
+            </a:r>
+            <a:endParaRPr lang="zh-CN" altLang="en-US" sz="1400" dirty="0"/>
+          </a:p>
+        </p:txBody>
+      </p:sp>
+      <p:sp>
+        <p:nvSpPr>
+          <p:cNvPr id="41" name="圆角矩形 40"/>
+          <p:cNvSpPr/>
+          <p:nvPr/>
+        </p:nvSpPr>
+        <p:spPr>
+          <a:xfrm>
+            <a:off x="7164288" y="1640698"/>
+            <a:ext cx="864096" cy="196686"/>
+          </a:xfrm>
+          <a:prstGeom prst="roundRect">
+            <a:avLst/>
+          </a:prstGeom>
+        </p:spPr>
+        <p:style>
+          <a:lnRef idx="2">
+            <a:schemeClr val="accent2">
+              <a:shade val="50000"/>
+            </a:schemeClr>
+          </a:lnRef>
+          <a:fillRef idx="1">
+            <a:schemeClr val="accent2"/>
+          </a:fillRef>
+          <a:effectRef idx="0">
+            <a:schemeClr val="accent2"/>
+          </a:effectRef>
+          <a:fontRef idx="minor">
+            <a:schemeClr val="lt1"/>
+          </a:fontRef>
+        </p:style>
+        <p:txBody>
+          <a:bodyPr rtlCol="0" anchor="ctr"/>
+          <a:lstStyle/>
+          <a:p>
+            <a:pPr algn="ctr"/>
+            <a:r>
+              <a:rPr lang="en-US" altLang="zh-CN" sz="1400" dirty="0"/>
+              <a:t>Delete</a:t>
+            </a:r>
+            <a:endParaRPr lang="zh-CN" altLang="en-US" sz="1400" dirty="0"/>
+          </a:p>
+        </p:txBody>
+      </p:sp>
+      <p:sp>
+        <p:nvSpPr>
+          <p:cNvPr id="42" name="圆角矩形 41"/>
+          <p:cNvSpPr/>
+          <p:nvPr/>
+        </p:nvSpPr>
+        <p:spPr>
+          <a:xfrm>
+            <a:off x="7164288" y="1830023"/>
+            <a:ext cx="864096" cy="196686"/>
+          </a:xfrm>
+          <a:prstGeom prst="roundRect">
+            <a:avLst/>
+          </a:prstGeom>
+        </p:spPr>
+        <p:style>
+          <a:lnRef idx="2">
+            <a:schemeClr val="accent2">
+              <a:shade val="50000"/>
+            </a:schemeClr>
+          </a:lnRef>
+          <a:fillRef idx="1">
+            <a:schemeClr val="accent2"/>
+          </a:fillRef>
+          <a:effectRef idx="0">
+            <a:schemeClr val="accent2"/>
+          </a:effectRef>
+          <a:fontRef idx="minor">
+            <a:schemeClr val="lt1"/>
+          </a:fontRef>
+        </p:style>
+        <p:txBody>
+          <a:bodyPr rtlCol="0" anchor="ctr"/>
+          <a:lstStyle/>
+          <a:p>
+            <a:pPr algn="ctr"/>
+            <a:r>
+              <a:rPr lang="en-US" altLang="zh-CN" sz="1400" dirty="0"/>
+              <a:t>Modify</a:t>
+            </a:r>
+            <a:endParaRPr lang="zh-CN" altLang="en-US" sz="1400" dirty="0"/>
+          </a:p>
+        </p:txBody>
+      </p:sp>
+      <p:sp>
+        <p:nvSpPr>
+          <p:cNvPr id="43" name="圆角矩形 42"/>
+          <p:cNvSpPr/>
+          <p:nvPr/>
+        </p:nvSpPr>
+        <p:spPr>
+          <a:xfrm>
+            <a:off x="7164288" y="2026709"/>
+            <a:ext cx="864096" cy="196686"/>
+          </a:xfrm>
+          <a:prstGeom prst="roundRect">
+            <a:avLst/>
+          </a:prstGeom>
+        </p:spPr>
+        <p:style>
+          <a:lnRef idx="2">
+            <a:schemeClr val="accent2">
+              <a:shade val="50000"/>
+            </a:schemeClr>
+          </a:lnRef>
+          <a:fillRef idx="1">
+            <a:schemeClr val="accent2"/>
+          </a:fillRef>
+          <a:effectRef idx="0">
+            <a:schemeClr val="accent2"/>
+          </a:effectRef>
+          <a:fontRef idx="minor">
+            <a:schemeClr val="lt1"/>
+          </a:fontRef>
+        </p:style>
+        <p:txBody>
+          <a:bodyPr rtlCol="0" anchor="ctr"/>
+          <a:lstStyle/>
+          <a:p>
+            <a:pPr algn="ctr"/>
+            <a:r>
+              <a:rPr lang="en-US" altLang="zh-CN" sz="1400" dirty="0"/>
+              <a:t>Push</a:t>
+            </a:r>
+            <a:endParaRPr lang="zh-CN" altLang="en-US" sz="1400" dirty="0"/>
+          </a:p>
+        </p:txBody>
+      </p:sp>
+      <p:sp>
+        <p:nvSpPr>
+          <p:cNvPr id="44" name="圆角矩形 43"/>
+          <p:cNvSpPr/>
+          <p:nvPr/>
+        </p:nvSpPr>
+        <p:spPr>
+          <a:xfrm>
+            <a:off x="7164288" y="2216034"/>
+            <a:ext cx="864096" cy="196686"/>
+          </a:xfrm>
+          <a:prstGeom prst="roundRect">
+            <a:avLst/>
+          </a:prstGeom>
+        </p:spPr>
+        <p:style>
+          <a:lnRef idx="2">
+            <a:schemeClr val="accent2">
+              <a:shade val="50000"/>
+            </a:schemeClr>
+          </a:lnRef>
+          <a:fillRef idx="1">
+            <a:schemeClr val="accent2"/>
+          </a:fillRef>
+          <a:effectRef idx="0">
+            <a:schemeClr val="accent2"/>
+          </a:effectRef>
+          <a:fontRef idx="minor">
+            <a:schemeClr val="lt1"/>
+          </a:fontRef>
+        </p:style>
+        <p:txBody>
+          <a:bodyPr rtlCol="0" anchor="ctr"/>
+          <a:lstStyle/>
+          <a:p>
+            <a:pPr algn="ctr"/>
+            <a:r>
+              <a:rPr lang="en-US" altLang="zh-CN" sz="1400" dirty="0"/>
+              <a:t>Check</a:t>
+            </a:r>
+            <a:endParaRPr lang="zh-CN" altLang="en-US" sz="1400" dirty="0"/>
+          </a:p>
+        </p:txBody>
+      </p:sp>
+      <p:sp>
+        <p:nvSpPr>
+          <p:cNvPr id="48" name="圆角矩形 47"/>
+          <p:cNvSpPr/>
+          <p:nvPr/>
+        </p:nvSpPr>
+        <p:spPr>
+          <a:xfrm>
+            <a:off x="2961804" y="3876705"/>
+            <a:ext cx="864096" cy="196686"/>
+          </a:xfrm>
+          <a:prstGeom prst="roundRect">
+            <a:avLst/>
+          </a:prstGeom>
+        </p:spPr>
+        <p:style>
+          <a:lnRef idx="2">
+            <a:schemeClr val="accent2">
+              <a:shade val="50000"/>
+            </a:schemeClr>
+          </a:lnRef>
+          <a:fillRef idx="1">
+            <a:schemeClr val="accent2"/>
+          </a:fillRef>
+          <a:effectRef idx="0">
+            <a:schemeClr val="accent2"/>
+          </a:effectRef>
+          <a:fontRef idx="minor">
+            <a:schemeClr val="lt1"/>
+          </a:fontRef>
+        </p:style>
+        <p:txBody>
+          <a:bodyPr rtlCol="0" anchor="ctr"/>
+          <a:lstStyle/>
+          <a:p>
+            <a:pPr algn="ctr"/>
+            <a:r>
+              <a:rPr lang="en-US" altLang="zh-CN" sz="1400" dirty="0"/>
+              <a:t>Push</a:t>
+            </a:r>
+            <a:endParaRPr lang="zh-CN" altLang="en-US" sz="1400" dirty="0"/>
+          </a:p>
+        </p:txBody>
+      </p:sp>
+      <p:sp>
+        <p:nvSpPr>
+          <p:cNvPr id="49" name="圆角矩形 48"/>
+          <p:cNvSpPr/>
+          <p:nvPr/>
+        </p:nvSpPr>
+        <p:spPr>
+          <a:xfrm>
+            <a:off x="2961804" y="4066030"/>
+            <a:ext cx="864096" cy="196686"/>
+          </a:xfrm>
+          <a:prstGeom prst="roundRect">
+            <a:avLst/>
+          </a:prstGeom>
+        </p:spPr>
+        <p:style>
+          <a:lnRef idx="2">
+            <a:schemeClr val="accent2">
+              <a:shade val="50000"/>
+            </a:schemeClr>
+          </a:lnRef>
+          <a:fillRef idx="1">
+            <a:schemeClr val="accent2"/>
+          </a:fillRef>
+          <a:effectRef idx="0">
+            <a:schemeClr val="accent2"/>
+          </a:effectRef>
+          <a:fontRef idx="minor">
+            <a:schemeClr val="lt1"/>
+          </a:fontRef>
+        </p:style>
+        <p:txBody>
+          <a:bodyPr rtlCol="0" anchor="ctr"/>
+          <a:lstStyle/>
+          <a:p>
+            <a:pPr algn="ctr"/>
+            <a:r>
+              <a:rPr lang="en-US" altLang="zh-CN" sz="1400" dirty="0"/>
+              <a:t>Check</a:t>
+            </a:r>
+            <a:endParaRPr lang="zh-CN" altLang="en-US" sz="1400" dirty="0"/>
+          </a:p>
+        </p:txBody>
+      </p:sp>
+      <p:cxnSp>
+        <p:nvCxnSpPr>
+          <p:cNvPr id="12" name="直接箭头连接符 11"/>
+          <p:cNvCxnSpPr>
+            <a:stCxn id="16" idx="3"/>
+            <a:endCxn id="10" idx="1"/>
+          </p:cNvCxnSpPr>
+          <p:nvPr/>
+        </p:nvCxnSpPr>
+        <p:spPr>
+          <a:xfrm flipV="1">
+            <a:off x="2348270" y="1640698"/>
+            <a:ext cx="639554" cy="251811"/>
+          </a:xfrm>
+          <a:prstGeom prst="straightConnector1">
+            <a:avLst/>
+          </a:prstGeom>
+          <a:ln>
+            <a:tailEnd type="arrow"/>
+          </a:ln>
+        </p:spPr>
+        <p:style>
+          <a:lnRef idx="1">
+            <a:schemeClr val="accent1"/>
+          </a:lnRef>
+          <a:fillRef idx="0">
+            <a:schemeClr val="accent1"/>
+          </a:fillRef>
+          <a:effectRef idx="0">
+            <a:schemeClr val="accent1"/>
+          </a:effectRef>
+          <a:fontRef idx="minor">
+            <a:schemeClr val="tx1"/>
+          </a:fontRef>
+        </p:style>
+      </p:cxnSp>
+      <p:cxnSp>
+        <p:nvCxnSpPr>
+          <p:cNvPr id="14" name="直接箭头连接符 13"/>
+          <p:cNvCxnSpPr>
+            <a:stCxn id="16" idx="3"/>
+            <a:endCxn id="38" idx="1"/>
+          </p:cNvCxnSpPr>
+          <p:nvPr/>
+        </p:nvCxnSpPr>
+        <p:spPr>
+          <a:xfrm flipV="1">
+            <a:off x="2348270" y="1837384"/>
+            <a:ext cx="639554" cy="55125"/>
+          </a:xfrm>
+          <a:prstGeom prst="straightConnector1">
+            <a:avLst/>
+          </a:prstGeom>
+          <a:ln>
+            <a:tailEnd type="arrow"/>
+          </a:ln>
+        </p:spPr>
+        <p:style>
+          <a:lnRef idx="1">
+            <a:schemeClr val="accent1"/>
+          </a:lnRef>
+          <a:fillRef idx="0">
+            <a:schemeClr val="accent1"/>
+          </a:fillRef>
+          <a:effectRef idx="0">
+            <a:schemeClr val="accent1"/>
+          </a:effectRef>
+          <a:fontRef idx="minor">
+            <a:schemeClr val="tx1"/>
+          </a:fontRef>
+        </p:style>
+      </p:cxnSp>
+      <p:cxnSp>
+        <p:nvCxnSpPr>
+          <p:cNvPr id="22" name="直接箭头连接符 21"/>
+          <p:cNvCxnSpPr>
+            <a:stCxn id="16" idx="3"/>
+            <a:endCxn id="39" idx="1"/>
+          </p:cNvCxnSpPr>
+          <p:nvPr/>
+        </p:nvCxnSpPr>
+        <p:spPr>
+          <a:xfrm>
+            <a:off x="2348270" y="1892509"/>
+            <a:ext cx="639554" cy="134200"/>
+          </a:xfrm>
+          <a:prstGeom prst="straightConnector1">
+            <a:avLst/>
+          </a:prstGeom>
+          <a:ln>
+            <a:tailEnd type="arrow"/>
+          </a:ln>
+        </p:spPr>
+        <p:style>
+          <a:lnRef idx="1">
+            <a:schemeClr val="accent1"/>
+          </a:lnRef>
+          <a:fillRef idx="0">
+            <a:schemeClr val="accent1"/>
+          </a:fillRef>
+          <a:effectRef idx="0">
+            <a:schemeClr val="accent1"/>
+          </a:effectRef>
+          <a:fontRef idx="minor">
+            <a:schemeClr val="tx1"/>
+          </a:fontRef>
+        </p:style>
+      </p:cxnSp>
+      <p:cxnSp>
+        <p:nvCxnSpPr>
+          <p:cNvPr id="56" name="直接箭头连接符 55"/>
+          <p:cNvCxnSpPr>
+            <a:stCxn id="18" idx="3"/>
+            <a:endCxn id="40" idx="1"/>
+          </p:cNvCxnSpPr>
+          <p:nvPr/>
+        </p:nvCxnSpPr>
+        <p:spPr>
+          <a:xfrm flipV="1">
+            <a:off x="6372200" y="1542355"/>
+            <a:ext cx="792088" cy="374477"/>
+          </a:xfrm>
+          <a:prstGeom prst="straightConnector1">
+            <a:avLst/>
+          </a:prstGeom>
+          <a:ln>
+            <a:tailEnd type="arrow"/>
+          </a:ln>
+        </p:spPr>
+        <p:style>
+          <a:lnRef idx="1">
+            <a:schemeClr val="accent1"/>
+          </a:lnRef>
+          <a:fillRef idx="0">
+            <a:schemeClr val="accent1"/>
+          </a:fillRef>
+          <a:effectRef idx="0">
+            <a:schemeClr val="accent1"/>
+          </a:effectRef>
+          <a:fontRef idx="minor">
+            <a:schemeClr val="tx1"/>
+          </a:fontRef>
+        </p:style>
+      </p:cxnSp>
+      <p:cxnSp>
+        <p:nvCxnSpPr>
+          <p:cNvPr id="58" name="直接箭头连接符 57"/>
+          <p:cNvCxnSpPr>
+            <a:stCxn id="18" idx="3"/>
+            <a:endCxn id="41" idx="1"/>
+          </p:cNvCxnSpPr>
+          <p:nvPr/>
+        </p:nvCxnSpPr>
+        <p:spPr>
+          <a:xfrm flipV="1">
+            <a:off x="6372200" y="1739041"/>
+            <a:ext cx="792088" cy="177791"/>
+          </a:xfrm>
+          <a:prstGeom prst="straightConnector1">
+            <a:avLst/>
+          </a:prstGeom>
+          <a:ln>
+            <a:tailEnd type="arrow"/>
+          </a:ln>
+        </p:spPr>
+        <p:style>
+          <a:lnRef idx="1">
+            <a:schemeClr val="accent1"/>
+          </a:lnRef>
+          <a:fillRef idx="0">
+            <a:schemeClr val="accent1"/>
+          </a:fillRef>
+          <a:effectRef idx="0">
+            <a:schemeClr val="accent1"/>
+          </a:effectRef>
+          <a:fontRef idx="minor">
+            <a:schemeClr val="tx1"/>
+          </a:fontRef>
+        </p:style>
+      </p:cxnSp>
+      <p:cxnSp>
+        <p:nvCxnSpPr>
+          <p:cNvPr id="60" name="直接箭头连接符 59"/>
+          <p:cNvCxnSpPr>
+            <a:stCxn id="18" idx="3"/>
+            <a:endCxn id="42" idx="1"/>
+          </p:cNvCxnSpPr>
+          <p:nvPr/>
+        </p:nvCxnSpPr>
+        <p:spPr>
+          <a:xfrm>
+            <a:off x="6372200" y="1916832"/>
+            <a:ext cx="792088" cy="11534"/>
+          </a:xfrm>
+          <a:prstGeom prst="straightConnector1">
+            <a:avLst/>
+          </a:prstGeom>
+          <a:ln>
+            <a:tailEnd type="arrow"/>
+          </a:ln>
+        </p:spPr>
+        <p:style>
+          <a:lnRef idx="1">
+            <a:schemeClr val="accent1"/>
+          </a:lnRef>
+          <a:fillRef idx="0">
+            <a:schemeClr val="accent1"/>
+          </a:fillRef>
+          <a:effectRef idx="0">
+            <a:schemeClr val="accent1"/>
+          </a:effectRef>
+          <a:fontRef idx="minor">
+            <a:schemeClr val="tx1"/>
+          </a:fontRef>
+        </p:style>
+      </p:cxnSp>
+      <p:cxnSp>
+        <p:nvCxnSpPr>
+          <p:cNvPr id="62" name="直接箭头连接符 61"/>
+          <p:cNvCxnSpPr>
+            <a:stCxn id="18" idx="3"/>
+            <a:endCxn id="43" idx="1"/>
+          </p:cNvCxnSpPr>
+          <p:nvPr/>
+        </p:nvCxnSpPr>
+        <p:spPr>
+          <a:xfrm>
+            <a:off x="6372200" y="1916832"/>
+            <a:ext cx="792088" cy="208220"/>
+          </a:xfrm>
+          <a:prstGeom prst="straightConnector1">
+            <a:avLst/>
+          </a:prstGeom>
+          <a:ln>
+            <a:tailEnd type="arrow"/>
+          </a:ln>
+        </p:spPr>
+        <p:style>
+          <a:lnRef idx="1">
+            <a:schemeClr val="accent1"/>
+          </a:lnRef>
+          <a:fillRef idx="0">
+            <a:schemeClr val="accent1"/>
+          </a:fillRef>
+          <a:effectRef idx="0">
+            <a:schemeClr val="accent1"/>
+          </a:effectRef>
+          <a:fontRef idx="minor">
+            <a:schemeClr val="tx1"/>
+          </a:fontRef>
+        </p:style>
+      </p:cxnSp>
+      <p:cxnSp>
+        <p:nvCxnSpPr>
+          <p:cNvPr id="1024" name="直接箭头连接符 1023"/>
+          <p:cNvCxnSpPr>
+            <a:stCxn id="18" idx="3"/>
+            <a:endCxn id="44" idx="1"/>
+          </p:cNvCxnSpPr>
+          <p:nvPr/>
+        </p:nvCxnSpPr>
+        <p:spPr>
+          <a:xfrm>
+            <a:off x="6372200" y="1916832"/>
+            <a:ext cx="792088" cy="397545"/>
+          </a:xfrm>
+          <a:prstGeom prst="straightConnector1">
+            <a:avLst/>
+          </a:prstGeom>
+          <a:ln>
+            <a:tailEnd type="arrow"/>
+          </a:ln>
+        </p:spPr>
+        <p:style>
+          <a:lnRef idx="1">
+            <a:schemeClr val="accent1"/>
+          </a:lnRef>
+          <a:fillRef idx="0">
+            <a:schemeClr val="accent1"/>
+          </a:fillRef>
+          <a:effectRef idx="0">
+            <a:schemeClr val="accent1"/>
+          </a:effectRef>
+          <a:fontRef idx="minor">
+            <a:schemeClr val="tx1"/>
+          </a:fontRef>
+        </p:style>
+      </p:cxnSp>
+      <p:cxnSp>
+        <p:nvCxnSpPr>
+          <p:cNvPr id="1038" name="直接箭头连接符 1037"/>
+          <p:cNvCxnSpPr>
+            <a:stCxn id="19" idx="3"/>
+            <a:endCxn id="48" idx="1"/>
+          </p:cNvCxnSpPr>
+          <p:nvPr/>
+        </p:nvCxnSpPr>
+        <p:spPr>
+          <a:xfrm flipV="1">
+            <a:off x="2348270" y="3975048"/>
+            <a:ext cx="613534" cy="77701"/>
+          </a:xfrm>
+          <a:prstGeom prst="straightConnector1">
+            <a:avLst/>
+          </a:prstGeom>
+          <a:ln>
+            <a:tailEnd type="arrow"/>
+          </a:ln>
+        </p:spPr>
+        <p:style>
+          <a:lnRef idx="1">
+            <a:schemeClr val="accent1"/>
+          </a:lnRef>
+          <a:fillRef idx="0">
+            <a:schemeClr val="accent1"/>
+          </a:fillRef>
+          <a:effectRef idx="0">
+            <a:schemeClr val="accent1"/>
+          </a:effectRef>
+          <a:fontRef idx="minor">
+            <a:schemeClr val="tx1"/>
+          </a:fontRef>
+        </p:style>
+      </p:cxnSp>
+      <p:cxnSp>
+        <p:nvCxnSpPr>
+          <p:cNvPr id="1040" name="直接箭头连接符 1039"/>
+          <p:cNvCxnSpPr>
+            <a:stCxn id="19" idx="3"/>
+            <a:endCxn id="49" idx="1"/>
+          </p:cNvCxnSpPr>
+          <p:nvPr/>
+        </p:nvCxnSpPr>
+        <p:spPr>
+          <a:xfrm>
+            <a:off x="2348270" y="4052749"/>
+            <a:ext cx="613534" cy="111624"/>
+          </a:xfrm>
+          <a:prstGeom prst="straightConnector1">
+            <a:avLst/>
+          </a:prstGeom>
+          <a:ln>
+            <a:tailEnd type="arrow"/>
+          </a:ln>
+        </p:spPr>
+        <p:style>
+          <a:lnRef idx="1">
+            <a:schemeClr val="accent1"/>
+          </a:lnRef>
+          <a:fillRef idx="0">
+            <a:schemeClr val="accent1"/>
+          </a:fillRef>
+          <a:effectRef idx="0">
+            <a:schemeClr val="accent1"/>
+          </a:effectRef>
+          <a:fontRef idx="minor">
+            <a:schemeClr val="tx1"/>
+          </a:fontRef>
+        </p:style>
+      </p:cxnSp>
+      <p:sp>
+        <p:nvSpPr>
+          <p:cNvPr id="1051" name="矩形 1050"/>
+          <p:cNvSpPr/>
+          <p:nvPr/>
+        </p:nvSpPr>
+        <p:spPr>
+          <a:xfrm>
+            <a:off x="2483768" y="2555895"/>
+            <a:ext cx="3384376" cy="791247"/>
+          </a:xfrm>
+          <a:prstGeom prst="rect">
+            <a:avLst/>
+          </a:prstGeom>
+        </p:spPr>
+        <p:style>
+          <a:lnRef idx="2">
+            <a:schemeClr val="accent4">
+              <a:shade val="50000"/>
+            </a:schemeClr>
+          </a:lnRef>
+          <a:fillRef idx="1">
+            <a:schemeClr val="accent4"/>
+          </a:fillRef>
+          <a:effectRef idx="0">
+            <a:schemeClr val="accent4"/>
+          </a:effectRef>
+          <a:fontRef idx="minor">
+            <a:schemeClr val="lt1"/>
+          </a:fontRef>
+        </p:style>
+        <p:txBody>
+          <a:bodyPr rtlCol="0" anchor="ctr"/>
+          <a:lstStyle/>
+          <a:p>
+            <a:pPr algn="ctr"/>
+            <a:r>
+              <a:rPr lang="zh-CN" altLang="en-US" sz="1200" dirty="0" smtClean="0"/>
+              <a:t>配置数据库</a:t>
+            </a:r>
+            <a:endParaRPr lang="en-US" altLang="zh-CN" sz="1200" dirty="0" smtClean="0"/>
+          </a:p>
+          <a:p>
+            <a:pPr algn="ctr"/>
+            <a:r>
+              <a:rPr lang="zh-CN" altLang="en-US" sz="1200" dirty="0" smtClean="0"/>
+              <a:t>根据不同权限确定权限、公钥位置、任务处理</a:t>
+            </a:r>
+            <a:endParaRPr lang="en-US" altLang="zh-CN" sz="1200" dirty="0" smtClean="0"/>
+          </a:p>
+        </p:txBody>
+      </p:sp>
+      <p:cxnSp>
+        <p:nvCxnSpPr>
+          <p:cNvPr id="1070" name="直接连接符 1069"/>
+          <p:cNvCxnSpPr>
+            <a:stCxn id="18" idx="2"/>
+            <a:endCxn id="1051" idx="0"/>
+          </p:cNvCxnSpPr>
+          <p:nvPr/>
+        </p:nvCxnSpPr>
+        <p:spPr>
+          <a:xfrm flipH="1">
+            <a:off x="4175956" y="2261557"/>
+            <a:ext cx="1332148" cy="294338"/>
+          </a:xfrm>
+          <a:prstGeom prst="line">
+            <a:avLst/>
+          </a:prstGeom>
+        </p:spPr>
+        <p:style>
+          <a:lnRef idx="1">
+            <a:schemeClr val="accent1"/>
+          </a:lnRef>
+          <a:fillRef idx="0">
+            <a:schemeClr val="accent1"/>
+          </a:fillRef>
+          <a:effectRef idx="0">
+            <a:schemeClr val="accent1"/>
+          </a:effectRef>
+          <a:fontRef idx="minor">
+            <a:schemeClr val="tx1"/>
+          </a:fontRef>
+        </p:style>
+      </p:cxnSp>
+      <p:cxnSp>
+        <p:nvCxnSpPr>
+          <p:cNvPr id="1077" name="直接连接符 1076"/>
+          <p:cNvCxnSpPr>
+            <a:stCxn id="16" idx="2"/>
+            <a:endCxn id="1051" idx="0"/>
+          </p:cNvCxnSpPr>
+          <p:nvPr/>
+        </p:nvCxnSpPr>
+        <p:spPr>
+          <a:xfrm>
+            <a:off x="1484174" y="2237234"/>
+            <a:ext cx="2691782" cy="318661"/>
+          </a:xfrm>
+          <a:prstGeom prst="line">
+            <a:avLst/>
+          </a:prstGeom>
+        </p:spPr>
+        <p:style>
+          <a:lnRef idx="1">
+            <a:schemeClr val="accent1"/>
+          </a:lnRef>
+          <a:fillRef idx="0">
+            <a:schemeClr val="accent1"/>
+          </a:fillRef>
+          <a:effectRef idx="0">
+            <a:schemeClr val="accent1"/>
+          </a:effectRef>
+          <a:fontRef idx="minor">
+            <a:schemeClr val="tx1"/>
+          </a:fontRef>
+        </p:style>
+      </p:cxnSp>
+      <p:cxnSp>
+        <p:nvCxnSpPr>
+          <p:cNvPr id="118" name="直接连接符 117"/>
+          <p:cNvCxnSpPr>
+            <a:stCxn id="19" idx="0"/>
+            <a:endCxn id="1051" idx="2"/>
+          </p:cNvCxnSpPr>
+          <p:nvPr/>
+        </p:nvCxnSpPr>
+        <p:spPr>
+          <a:xfrm flipV="1">
+            <a:off x="1484174" y="3347142"/>
+            <a:ext cx="2691782" cy="360881"/>
+          </a:xfrm>
+          <a:prstGeom prst="line">
+            <a:avLst/>
+          </a:prstGeom>
+        </p:spPr>
+        <p:style>
+          <a:lnRef idx="1">
+            <a:schemeClr val="accent1"/>
+          </a:lnRef>
+          <a:fillRef idx="0">
+            <a:schemeClr val="accent1"/>
+          </a:fillRef>
+          <a:effectRef idx="0">
+            <a:schemeClr val="accent1"/>
+          </a:effectRef>
+          <a:fontRef idx="minor">
+            <a:schemeClr val="tx1"/>
+          </a:fontRef>
+        </p:style>
+      </p:cxnSp>
+      <p:cxnSp>
+        <p:nvCxnSpPr>
+          <p:cNvPr id="123" name="直接连接符 122"/>
+          <p:cNvCxnSpPr>
+            <a:stCxn id="20" idx="0"/>
+            <a:endCxn id="1051" idx="2"/>
+          </p:cNvCxnSpPr>
+          <p:nvPr/>
+        </p:nvCxnSpPr>
+        <p:spPr>
+          <a:xfrm flipH="1" flipV="1">
+            <a:off x="4175956" y="3347142"/>
+            <a:ext cx="1332148" cy="360881"/>
+          </a:xfrm>
+          <a:prstGeom prst="line">
+            <a:avLst/>
+          </a:prstGeom>
+        </p:spPr>
+        <p:style>
+          <a:lnRef idx="1">
+            <a:schemeClr val="accent1"/>
+          </a:lnRef>
+          <a:fillRef idx="0">
+            <a:schemeClr val="accent1"/>
+          </a:fillRef>
+          <a:effectRef idx="0">
+            <a:schemeClr val="accent1"/>
+          </a:effectRef>
+          <a:fontRef idx="minor">
+            <a:schemeClr val="tx1"/>
+          </a:fontRef>
+        </p:style>
+      </p:cxnSp>
+      <p:sp>
+        <p:nvSpPr>
+          <p:cNvPr id="129" name="圆角矩形 128"/>
+          <p:cNvSpPr/>
+          <p:nvPr/>
+        </p:nvSpPr>
+        <p:spPr>
+          <a:xfrm>
+            <a:off x="2959100" y="4262439"/>
+            <a:ext cx="964828" cy="196686"/>
+          </a:xfrm>
+          <a:prstGeom prst="roundRect">
+            <a:avLst/>
+          </a:prstGeom>
+        </p:spPr>
+        <p:style>
+          <a:lnRef idx="2">
+            <a:schemeClr val="accent2">
+              <a:shade val="50000"/>
+            </a:schemeClr>
+          </a:lnRef>
+          <a:fillRef idx="1">
+            <a:schemeClr val="accent2"/>
+          </a:fillRef>
+          <a:effectRef idx="0">
+            <a:schemeClr val="accent2"/>
+          </a:effectRef>
+          <a:fontRef idx="minor">
+            <a:schemeClr val="lt1"/>
+          </a:fontRef>
+        </p:style>
+        <p:txBody>
+          <a:bodyPr rtlCol="0" anchor="ctr"/>
+          <a:lstStyle/>
+          <a:p>
+            <a:pPr algn="ctr"/>
+            <a:r>
+              <a:rPr lang="en-US" altLang="zh-CN" sz="1400" dirty="0" smtClean="0"/>
+              <a:t>Rollback</a:t>
+            </a:r>
+            <a:endParaRPr lang="zh-CN" altLang="en-US" sz="1400" dirty="0"/>
+          </a:p>
+        </p:txBody>
+      </p:sp>
+    </p:spTree>
+    <p:extLst>
+      <p:ext uri="{BB962C8B-B14F-4D97-AF65-F5344CB8AC3E}">
+        <p14:creationId xmlns:p14="http://schemas.microsoft.com/office/powerpoint/2010/main" val="69606055"/>
+      </p:ext>
+    </p:extLst>
+  </p:cSld>
+  <p:clrMapOvr>
+    <a:masterClrMapping/>
+  </p:clrMapOvr>
+  <p:timing>
+    <p:tnLst>
+      <p:par>
+        <p:cTn id="1" dur="indefinite" restart="never" nodeType="tmRoot">
+          <p:childTnLst>
+            <p:seq concurrent="1" nextAc="seek">
+              <p:cTn id="2" dur="indefinite" nodeType="mainSeq">
+                <p:childTnLst>
+                  <p:par>
+                    <p:cTn id="3" fill="hold">
+                      <p:stCondLst>
+                        <p:cond delay="indefinite"/>
+                        <p:cond evt="onBegin" delay="0">
+                          <p:tn val="2"/>
+                        </p:cond>
+                      </p:stCondLst>
+                      <p:childTnLst>
+                        <p:par>
+                          <p:cTn id="4" fill="hold">
+                            <p:stCondLst>
+                              <p:cond delay="0"/>
+                            </p:stCondLst>
+                            <p:childTnLst>
+                              <p:par>
+                                <p:cTn id="5" presetID="10" presetClass="entr" presetSubtype="0" fill="hold" grpId="0" nodeType="afterEffect">
+                                  <p:stCondLst>
+                                    <p:cond delay="0"/>
+                                  </p:stCondLst>
+                                  <p:childTnLst>
+                                    <p:set>
+                                      <p:cBhvr>
+                                        <p:cTn id="6" dur="1" fill="hold">
+                                          <p:stCondLst>
+                                            <p:cond delay="0"/>
+                                          </p:stCondLst>
+                                        </p:cTn>
+                                        <p:tgtEl>
+                                          <p:spTgt spid="3"/>
+                                        </p:tgtEl>
+                                        <p:attrNameLst>
+                                          <p:attrName>style.visibility</p:attrName>
+                                        </p:attrNameLst>
+                                      </p:cBhvr>
+                                      <p:to>
+                                        <p:strVal val="visible"/>
+                                      </p:to>
+                                    </p:set>
+                                    <p:animEffect transition="in" filter="fade">
+                                      <p:cBhvr>
+                                        <p:cTn id="7" dur="500"/>
+                                        <p:tgtEl>
+                                          <p:spTgt spid="3"/>
+                                        </p:tgtEl>
+                                      </p:cBhvr>
+                                    </p:animEffect>
+                                  </p:childTnLst>
+                                </p:cTn>
+                              </p:par>
+                            </p:childTnLst>
+                          </p:cTn>
+                        </p:par>
+                      </p:childTnLst>
+                    </p:cTn>
+                  </p:par>
+                </p:childTnLst>
+              </p:cTn>
+              <p:prevCondLst>
+                <p:cond evt="onPrev" delay="0">
+                  <p:tgtEl>
+                    <p:sldTgt/>
+                  </p:tgtEl>
+                </p:cond>
+              </p:prevCondLst>
+              <p:nextCondLst>
+                <p:cond evt="onNext" delay="0">
+                  <p:tgtEl>
+                    <p:sldTgt/>
+                  </p:tgtEl>
+                </p:cond>
+              </p:nextCondLst>
+            </p:seq>
+          </p:childTnLst>
+        </p:cTn>
+      </p:par>
+    </p:tnLst>
+    <p:bldLst>
+      <p:bldP spid="3" grpId="0"/>
+    </p:bldLst>
+  </p:timing>
+</p:sld>
+</file>
+
+<file path=ppt/slides/slide16.xml><?xml version="1.0" encoding="utf-8"?>
+<p:sld xmlns:a="http://schemas.openxmlformats.org/drawingml/2006/main" xmlns:r="http://schemas.openxmlformats.org/officeDocument/2006/relationships" xmlns:p="http://schemas.openxmlformats.org/presentationml/2006/main">
+  <p:cSld>
+    <p:spTree>
+      <p:nvGrpSpPr>
+        <p:cNvPr id="1" name=""/>
+        <p:cNvGrpSpPr/>
+        <p:nvPr/>
+      </p:nvGrpSpPr>
+      <p:grpSpPr>
+        <a:xfrm>
+          <a:off x="0" y="0"/>
+          <a:ext cx="0" cy="0"/>
+          <a:chOff x="0" y="0"/>
+          <a:chExt cx="0" cy="0"/>
+        </a:xfrm>
+      </p:grpSpPr>
+      <p:sp>
+        <p:nvSpPr>
+          <p:cNvPr id="3" name="标题 2"/>
+          <p:cNvSpPr>
+            <a:spLocks noGrp="1"/>
+          </p:cNvSpPr>
+          <p:nvPr>
+            <p:ph type="ctrTitle"/>
+          </p:nvPr>
+        </p:nvSpPr>
+        <p:spPr>
+          <a:xfrm>
+            <a:off x="179512" y="116632"/>
+            <a:ext cx="6060380" cy="1080120"/>
+          </a:xfrm>
+          <a:effectLst/>
+        </p:spPr>
+        <p:txBody>
+          <a:bodyPr vert="horz" lIns="91440" tIns="45720" rIns="91440" bIns="45720" rtlCol="0" anchor="t" anchorCtr="0">
+            <a:noAutofit/>
+          </a:bodyPr>
+          <a:lstStyle/>
+          <a:p>
+            <a:pPr marL="182880" indent="0">
+              <a:buNone/>
+            </a:pPr>
+            <a:r>
+              <a:rPr lang="zh-CN" altLang="en-US" dirty="0" smtClean="0"/>
+              <a:t>程序设计（</a:t>
+            </a:r>
+            <a:r>
+              <a:rPr lang="en-US" altLang="zh-CN" dirty="0" smtClean="0"/>
+              <a:t>Client</a:t>
+            </a:r>
+            <a:r>
+              <a:rPr lang="zh-CN" altLang="en-US" dirty="0" smtClean="0"/>
+              <a:t>）</a:t>
+            </a:r>
+            <a:endParaRPr lang="en-US" altLang="zh-CN" dirty="0"/>
+          </a:p>
+        </p:txBody>
+      </p:sp>
+      <p:sp>
+        <p:nvSpPr>
+          <p:cNvPr id="4" name="圆角矩形 3"/>
+          <p:cNvSpPr/>
+          <p:nvPr/>
+        </p:nvSpPr>
+        <p:spPr>
+          <a:xfrm>
+            <a:off x="451621" y="2204864"/>
+            <a:ext cx="1728192" cy="432048"/>
+          </a:xfrm>
+          <a:prstGeom prst="roundRect">
+            <a:avLst/>
+          </a:prstGeom>
+        </p:spPr>
+        <p:style>
+          <a:lnRef idx="2">
+            <a:schemeClr val="accent1">
+              <a:shade val="50000"/>
+            </a:schemeClr>
+          </a:lnRef>
+          <a:fillRef idx="1">
+            <a:schemeClr val="accent1"/>
+          </a:fillRef>
+          <a:effectRef idx="0">
+            <a:schemeClr val="accent1"/>
+          </a:effectRef>
+          <a:fontRef idx="minor">
+            <a:schemeClr val="lt1"/>
+          </a:fontRef>
+        </p:style>
+        <p:txBody>
+          <a:bodyPr rtlCol="0" anchor="ctr"/>
+          <a:lstStyle/>
+          <a:p>
+            <a:pPr algn="ctr"/>
+            <a:r>
+              <a:rPr lang="en-US" altLang="zh-CN" dirty="0" err="1" smtClean="0"/>
+              <a:t>Configworker</a:t>
+            </a:r>
+            <a:endParaRPr lang="zh-CN" altLang="en-US" dirty="0"/>
+          </a:p>
+        </p:txBody>
+      </p:sp>
+      <p:sp>
+        <p:nvSpPr>
+          <p:cNvPr id="5" name="圆角矩形 4"/>
+          <p:cNvSpPr/>
+          <p:nvPr/>
+        </p:nvSpPr>
+        <p:spPr>
+          <a:xfrm>
+            <a:off x="441276" y="3566587"/>
+            <a:ext cx="1728192" cy="432048"/>
+          </a:xfrm>
+          <a:prstGeom prst="roundRect">
+            <a:avLst/>
+          </a:prstGeom>
+        </p:spPr>
+        <p:style>
+          <a:lnRef idx="2">
+            <a:schemeClr val="accent1">
+              <a:shade val="50000"/>
+            </a:schemeClr>
+          </a:lnRef>
+          <a:fillRef idx="1">
+            <a:schemeClr val="accent1"/>
+          </a:fillRef>
+          <a:effectRef idx="0">
+            <a:schemeClr val="accent1"/>
+          </a:effectRef>
+          <a:fontRef idx="minor">
+            <a:schemeClr val="lt1"/>
+          </a:fontRef>
+        </p:style>
+        <p:txBody>
+          <a:bodyPr rtlCol="0" anchor="ctr"/>
+          <a:lstStyle/>
+          <a:p>
+            <a:pPr algn="ctr"/>
+            <a:r>
+              <a:rPr lang="en-US" altLang="zh-CN" dirty="0" err="1"/>
+              <a:t>GitWorker</a:t>
+            </a:r>
+            <a:endParaRPr lang="zh-CN" altLang="en-US" dirty="0"/>
+          </a:p>
+        </p:txBody>
+      </p:sp>
+      <p:sp>
+        <p:nvSpPr>
+          <p:cNvPr id="6" name="圆角矩形 5"/>
+          <p:cNvSpPr/>
+          <p:nvPr/>
+        </p:nvSpPr>
+        <p:spPr>
+          <a:xfrm>
+            <a:off x="399085" y="5452647"/>
+            <a:ext cx="1728192" cy="432048"/>
+          </a:xfrm>
+          <a:prstGeom prst="roundRect">
+            <a:avLst/>
+          </a:prstGeom>
+        </p:spPr>
+        <p:style>
+          <a:lnRef idx="2">
+            <a:schemeClr val="accent1">
+              <a:shade val="50000"/>
+            </a:schemeClr>
+          </a:lnRef>
+          <a:fillRef idx="1">
+            <a:schemeClr val="accent1"/>
+          </a:fillRef>
+          <a:effectRef idx="0">
+            <a:schemeClr val="accent1"/>
+          </a:effectRef>
+          <a:fontRef idx="minor">
+            <a:schemeClr val="lt1"/>
+          </a:fontRef>
+        </p:style>
+        <p:txBody>
+          <a:bodyPr rtlCol="0" anchor="ctr"/>
+          <a:lstStyle/>
+          <a:p>
+            <a:pPr algn="ctr"/>
+            <a:r>
+              <a:rPr lang="en-US" altLang="zh-CN" dirty="0" err="1"/>
+              <a:t>ServerWorker</a:t>
+            </a:r>
+            <a:endParaRPr lang="zh-CN" altLang="en-US" dirty="0"/>
+          </a:p>
+        </p:txBody>
+      </p:sp>
+      <p:sp>
+        <p:nvSpPr>
+          <p:cNvPr id="7" name="矩形 6"/>
+          <p:cNvSpPr/>
+          <p:nvPr/>
+        </p:nvSpPr>
+        <p:spPr>
+          <a:xfrm>
+            <a:off x="2404221" y="2097722"/>
+            <a:ext cx="4680520" cy="646331"/>
+          </a:xfrm>
+          <a:prstGeom prst="rect">
+            <a:avLst/>
+          </a:prstGeom>
+        </p:spPr>
+        <p:txBody>
+          <a:bodyPr wrap="square">
+            <a:spAutoFit/>
+          </a:bodyPr>
+          <a:lstStyle/>
+          <a:p>
+            <a:r>
+              <a:rPr lang="zh-CN" altLang="en-US" dirty="0" smtClean="0"/>
+              <a:t>负责获取服务器所有相关配置，其中包括</a:t>
+            </a:r>
+            <a:endParaRPr lang="en-US" altLang="zh-CN" dirty="0" smtClean="0"/>
+          </a:p>
+          <a:p>
+            <a:r>
+              <a:rPr lang="zh-CN" altLang="en-US" dirty="0" smtClean="0"/>
+              <a:t>服务器信息、</a:t>
+            </a:r>
+            <a:r>
+              <a:rPr lang="en-US" altLang="zh-CN" dirty="0" smtClean="0"/>
+              <a:t>repo</a:t>
+            </a:r>
+            <a:r>
+              <a:rPr lang="zh-CN" altLang="en-US" dirty="0" smtClean="0"/>
+              <a:t>信息、权限信息等</a:t>
+            </a:r>
+            <a:endParaRPr lang="zh-CN" altLang="en-US" dirty="0"/>
+          </a:p>
+        </p:txBody>
+      </p:sp>
+      <p:sp>
+        <p:nvSpPr>
+          <p:cNvPr id="8" name="矩形 7"/>
+          <p:cNvSpPr/>
+          <p:nvPr/>
+        </p:nvSpPr>
+        <p:spPr>
+          <a:xfrm>
+            <a:off x="2519772" y="3459445"/>
+            <a:ext cx="4680520" cy="369332"/>
+          </a:xfrm>
+          <a:prstGeom prst="rect">
+            <a:avLst/>
+          </a:prstGeom>
+        </p:spPr>
+        <p:txBody>
+          <a:bodyPr wrap="square">
+            <a:spAutoFit/>
+          </a:bodyPr>
+          <a:lstStyle/>
+          <a:p>
+            <a:r>
+              <a:rPr lang="zh-CN" altLang="en-US" dirty="0" smtClean="0"/>
+              <a:t>负责所有</a:t>
+            </a:r>
+            <a:r>
+              <a:rPr lang="en-US" altLang="zh-CN" dirty="0" err="1" smtClean="0"/>
+              <a:t>Git</a:t>
+            </a:r>
+            <a:r>
+              <a:rPr lang="zh-CN" altLang="en-US" dirty="0" smtClean="0"/>
+              <a:t>相关操作接口</a:t>
+            </a:r>
+            <a:endParaRPr lang="zh-CN" altLang="en-US" dirty="0"/>
+          </a:p>
+        </p:txBody>
+      </p:sp>
+      <p:sp>
+        <p:nvSpPr>
+          <p:cNvPr id="9" name="矩形 8"/>
+          <p:cNvSpPr/>
+          <p:nvPr/>
+        </p:nvSpPr>
+        <p:spPr>
+          <a:xfrm>
+            <a:off x="2189745" y="5062539"/>
+            <a:ext cx="4680520" cy="646331"/>
+          </a:xfrm>
+          <a:prstGeom prst="rect">
+            <a:avLst/>
+          </a:prstGeom>
+        </p:spPr>
+        <p:txBody>
+          <a:bodyPr wrap="square">
+            <a:spAutoFit/>
+          </a:bodyPr>
+          <a:lstStyle/>
+          <a:p>
+            <a:r>
+              <a:rPr lang="zh-CN" altLang="en-US" dirty="0" smtClean="0"/>
+              <a:t>负责所有服务器相关操作，</a:t>
+            </a:r>
+            <a:r>
+              <a:rPr lang="en-US" altLang="zh-CN" dirty="0" smtClean="0"/>
+              <a:t>push</a:t>
+            </a:r>
+            <a:r>
+              <a:rPr lang="zh-CN" altLang="en-US" dirty="0" smtClean="0"/>
+              <a:t>、</a:t>
+            </a:r>
+            <a:r>
+              <a:rPr lang="en-US" altLang="zh-CN" dirty="0" smtClean="0"/>
+              <a:t>pull</a:t>
+            </a:r>
+            <a:r>
+              <a:rPr lang="zh-CN" altLang="en-US" dirty="0" smtClean="0"/>
+              <a:t>、</a:t>
+            </a:r>
+            <a:r>
+              <a:rPr lang="en-US" altLang="zh-CN" dirty="0" smtClean="0"/>
+              <a:t>check</a:t>
+            </a:r>
+            <a:r>
+              <a:rPr lang="zh-CN" altLang="en-US" dirty="0" smtClean="0"/>
+              <a:t>、</a:t>
+            </a:r>
+            <a:r>
+              <a:rPr lang="en-US" altLang="zh-CN" dirty="0" smtClean="0"/>
+              <a:t>reload</a:t>
+            </a:r>
+            <a:r>
+              <a:rPr lang="zh-CN" altLang="en-US" dirty="0" smtClean="0"/>
+              <a:t>、</a:t>
+            </a:r>
+            <a:r>
+              <a:rPr lang="en-US" altLang="zh-CN" dirty="0" smtClean="0"/>
+              <a:t>rollback</a:t>
+            </a:r>
+            <a:r>
+              <a:rPr lang="zh-CN" altLang="en-US" dirty="0" smtClean="0"/>
+              <a:t>等</a:t>
+            </a:r>
+            <a:endParaRPr lang="en-US" altLang="zh-CN" dirty="0" smtClean="0"/>
+          </a:p>
+        </p:txBody>
+      </p:sp>
+      <p:pic>
+        <p:nvPicPr>
+          <p:cNvPr id="1029" name="Picture 5"/>
+          <p:cNvPicPr>
+            <a:picLocks noChangeAspect="1" noChangeArrowheads="1"/>
+          </p:cNvPicPr>
+          <p:nvPr/>
+        </p:nvPicPr>
+        <p:blipFill>
+          <a:blip r:embed="rId2">
+            <a:extLst>
+              <a:ext uri="{28A0092B-C50C-407E-A947-70E740481C1C}">
+                <a14:useLocalDpi xmlns:a14="http://schemas.microsoft.com/office/drawing/2010/main" val="0"/>
+              </a:ext>
+            </a:extLst>
+          </a:blip>
+          <a:srcRect/>
+          <a:stretch>
+            <a:fillRect/>
+          </a:stretch>
+        </p:blipFill>
+        <p:spPr bwMode="auto">
+          <a:xfrm>
+            <a:off x="4880519" y="5653538"/>
+            <a:ext cx="2647950" cy="1057275"/>
+          </a:xfrm>
+          <a:prstGeom prst="rect">
+            <a:avLst/>
+          </a:prstGeom>
+          <a:noFill/>
+          <a:ln>
+            <a:noFill/>
+          </a:ln>
+          <a:extLst>
+            <a:ext uri="{909E8E84-426E-40DD-AFC4-6F175D3DCCD1}">
+              <a14:hiddenFill xmlns:a14="http://schemas.microsoft.com/office/drawing/2010/main">
+                <a:solidFill>
+                  <a:schemeClr val="accent1"/>
+                </a:solidFill>
+              </a14:hiddenFill>
+            </a:ext>
+            <a:ext uri="{91240B29-F687-4F45-9708-019B960494DF}">
+              <a14:hiddenLine xmlns:a14="http://schemas.microsoft.com/office/drawing/2010/main" w="9525">
+                <a:solidFill>
+                  <a:schemeClr val="tx1"/>
+                </a:solidFill>
+                <a:miter lim="800000"/>
+                <a:headEnd/>
+                <a:tailEnd/>
+              </a14:hiddenLine>
+            </a:ext>
+          </a:extLst>
+        </p:spPr>
+      </p:pic>
+      <p:pic>
+        <p:nvPicPr>
+          <p:cNvPr id="1030" name="Picture 6"/>
+          <p:cNvPicPr>
+            <a:picLocks noChangeAspect="1" noChangeArrowheads="1"/>
+          </p:cNvPicPr>
+          <p:nvPr/>
+        </p:nvPicPr>
+        <p:blipFill>
+          <a:blip r:embed="rId3">
+            <a:extLst>
+              <a:ext uri="{28A0092B-C50C-407E-A947-70E740481C1C}">
+                <a14:useLocalDpi xmlns:a14="http://schemas.microsoft.com/office/drawing/2010/main" val="0"/>
+              </a:ext>
+            </a:extLst>
+          </a:blip>
+          <a:srcRect/>
+          <a:stretch>
+            <a:fillRect/>
+          </a:stretch>
+        </p:blipFill>
+        <p:spPr bwMode="auto">
+          <a:xfrm>
+            <a:off x="5292080" y="3312835"/>
+            <a:ext cx="2381250" cy="1371600"/>
+          </a:xfrm>
+          <a:prstGeom prst="rect">
+            <a:avLst/>
+          </a:prstGeom>
+          <a:noFill/>
+          <a:ln>
+            <a:noFill/>
+          </a:ln>
+          <a:extLst>
+            <a:ext uri="{909E8E84-426E-40DD-AFC4-6F175D3DCCD1}">
+              <a14:hiddenFill xmlns:a14="http://schemas.microsoft.com/office/drawing/2010/main">
+                <a:solidFill>
+                  <a:schemeClr val="accent1"/>
+                </a:solidFill>
+              </a14:hiddenFill>
+            </a:ext>
+            <a:ext uri="{91240B29-F687-4F45-9708-019B960494DF}">
+              <a14:hiddenLine xmlns:a14="http://schemas.microsoft.com/office/drawing/2010/main" w="9525">
+                <a:solidFill>
+                  <a:schemeClr val="tx1"/>
+                </a:solidFill>
+                <a:miter lim="800000"/>
+                <a:headEnd/>
+                <a:tailEnd/>
+              </a14:hiddenLine>
+            </a:ext>
+          </a:extLst>
+        </p:spPr>
+      </p:pic>
+      <p:pic>
+        <p:nvPicPr>
+          <p:cNvPr id="1031" name="Picture 7"/>
+          <p:cNvPicPr>
+            <a:picLocks noChangeAspect="1" noChangeArrowheads="1"/>
+          </p:cNvPicPr>
+          <p:nvPr/>
+        </p:nvPicPr>
+        <p:blipFill>
+          <a:blip r:embed="rId4">
+            <a:extLst>
+              <a:ext uri="{28A0092B-C50C-407E-A947-70E740481C1C}">
+                <a14:useLocalDpi xmlns:a14="http://schemas.microsoft.com/office/drawing/2010/main" val="0"/>
+              </a:ext>
+            </a:extLst>
+          </a:blip>
+          <a:srcRect/>
+          <a:stretch>
+            <a:fillRect/>
+          </a:stretch>
+        </p:blipFill>
+        <p:spPr bwMode="auto">
+          <a:xfrm>
+            <a:off x="4227946" y="836712"/>
+            <a:ext cx="3952875" cy="1181100"/>
+          </a:xfrm>
+          <a:prstGeom prst="rect">
+            <a:avLst/>
+          </a:prstGeom>
+          <a:noFill/>
+          <a:ln>
+            <a:noFill/>
+          </a:ln>
+          <a:extLst>
+            <a:ext uri="{909E8E84-426E-40DD-AFC4-6F175D3DCCD1}">
+              <a14:hiddenFill xmlns:a14="http://schemas.microsoft.com/office/drawing/2010/main">
+                <a:solidFill>
+                  <a:schemeClr val="accent1"/>
+                </a:solidFill>
+              </a14:hiddenFill>
+            </a:ext>
+            <a:ext uri="{91240B29-F687-4F45-9708-019B960494DF}">
+              <a14:hiddenLine xmlns:a14="http://schemas.microsoft.com/office/drawing/2010/main" w="9525">
+                <a:solidFill>
+                  <a:schemeClr val="tx1"/>
+                </a:solidFill>
+                <a:miter lim="800000"/>
+                <a:headEnd/>
+                <a:tailEnd/>
+              </a14:hiddenLine>
+            </a:ext>
+          </a:extLst>
+        </p:spPr>
+      </p:pic>
+    </p:spTree>
+    <p:extLst>
+      <p:ext uri="{BB962C8B-B14F-4D97-AF65-F5344CB8AC3E}">
+        <p14:creationId xmlns:p14="http://schemas.microsoft.com/office/powerpoint/2010/main" val="2602111559"/>
+      </p:ext>
+    </p:extLst>
+  </p:cSld>
+  <p:clrMapOvr>
+    <a:masterClrMapping/>
+  </p:clrMapOvr>
+  <p:timing>
+    <p:tnLst>
+      <p:par>
+        <p:cTn id="1" dur="indefinite" restart="never" nodeType="tmRoot">
+          <p:childTnLst>
+            <p:seq concurrent="1" nextAc="seek">
+              <p:cTn id="2" dur="indefinite" nodeType="mainSeq">
+                <p:childTnLst>
+                  <p:par>
+                    <p:cTn id="3" fill="hold">
+                      <p:stCondLst>
+                        <p:cond delay="indefinite"/>
+                        <p:cond evt="onBegin" delay="0">
+                          <p:tn val="2"/>
+                        </p:cond>
+                      </p:stCondLst>
+                      <p:childTnLst>
+                        <p:par>
+                          <p:cTn id="4" fill="hold">
+                            <p:stCondLst>
+                              <p:cond delay="0"/>
+                            </p:stCondLst>
+                            <p:childTnLst>
+                              <p:par>
+                                <p:cTn id="5" presetID="10" presetClass="entr" presetSubtype="0" fill="hold" grpId="0" nodeType="afterEffect">
+                                  <p:stCondLst>
+                                    <p:cond delay="0"/>
+                                  </p:stCondLst>
+                                  <p:childTnLst>
+                                    <p:set>
+                                      <p:cBhvr>
+                                        <p:cTn id="6" dur="1" fill="hold">
+                                          <p:stCondLst>
+                                            <p:cond delay="0"/>
+                                          </p:stCondLst>
+                                        </p:cTn>
+                                        <p:tgtEl>
+                                          <p:spTgt spid="3"/>
+                                        </p:tgtEl>
+                                        <p:attrNameLst>
+                                          <p:attrName>style.visibility</p:attrName>
+                                        </p:attrNameLst>
+                                      </p:cBhvr>
+                                      <p:to>
+                                        <p:strVal val="visible"/>
+                                      </p:to>
+                                    </p:set>
+                                    <p:animEffect transition="in" filter="fade">
+                                      <p:cBhvr>
+                                        <p:cTn id="7" dur="500"/>
+                                        <p:tgtEl>
+                                          <p:spTgt spid="3"/>
+                                        </p:tgtEl>
+                                      </p:cBhvr>
+                                    </p:animEffect>
+                                  </p:childTnLst>
+                                </p:cTn>
+                              </p:par>
+                            </p:childTnLst>
+                          </p:cTn>
+                        </p:par>
+                      </p:childTnLst>
+                    </p:cTn>
+                  </p:par>
+                </p:childTnLst>
+              </p:cTn>
+              <p:prevCondLst>
+                <p:cond evt="onPrev" delay="0">
+                  <p:tgtEl>
+                    <p:sldTgt/>
+                  </p:tgtEl>
+                </p:cond>
+              </p:prevCondLst>
+              <p:nextCondLst>
+                <p:cond evt="onNext" delay="0">
+                  <p:tgtEl>
+                    <p:sldTgt/>
+                  </p:tgtEl>
+                </p:cond>
+              </p:nextCondLst>
+            </p:seq>
+          </p:childTnLst>
+        </p:cTn>
+      </p:par>
+    </p:tnLst>
+    <p:bldLst>
+      <p:bldP spid="3" grpId="0"/>
+    </p:bldLst>
+  </p:timing>
+</p:sld>
+</file>
+
+<file path=ppt/slides/slide17.xml><?xml version="1.0" encoding="utf-8"?>
 <p:sld xmlns:a="http://schemas.openxmlformats.org/drawingml/2006/main" xmlns:r="http://schemas.openxmlformats.org/officeDocument/2006/relationships" xmlns:p="http://schemas.openxmlformats.org/presentationml/2006/main">
   <p:cSld>
     <p:spTree>
